--- a/Northwind_presentation.pptx
+++ b/Northwind_presentation.pptx
@@ -119,6 +119,2802 @@
 
 <file path=ppt/revisionInfo.xml><?xml version="1.0" encoding="utf-8"?>
 <p1510:revInfo xmlns:a="http://schemas.openxmlformats.org/drawingml/2006/main" xmlns:r="http://schemas.openxmlformats.org/officeDocument/2006/relationships" xmlns:p1510="http://schemas.microsoft.com/office/powerpoint/2015/10/main"/>
+</file>
+
+<file path=ppt/diagrams/colors1.xml><?xml version="1.0" encoding="utf-8"?>
+<dgm:colorsDef xmlns:dgm="http://schemas.openxmlformats.org/drawingml/2006/diagram" xmlns:a="http://schemas.openxmlformats.org/drawingml/2006/main" uniqueId="urn:microsoft.com/office/officeart/2005/8/colors/colorful2">
+  <dgm:title val=""/>
+  <dgm:desc val=""/>
+  <dgm:catLst>
+    <dgm:cat type="colorful" pri="10200"/>
+  </dgm:catLst>
+  <dgm:styleLbl name="node0">
+    <dgm:fillClrLst meth="repeat">
+      <a:schemeClr val="accent1"/>
+    </dgm:fillClrLst>
+    <dgm:linClrLst meth="repeat">
+      <a:schemeClr val="lt1"/>
+    </dgm:linClrLst>
+    <dgm:effectClrLst/>
+    <dgm:txLinClrLst/>
+    <dgm:txFillClrLst/>
+    <dgm:txEffectClrLst/>
+  </dgm:styleLbl>
+  <dgm:styleLbl name="node1">
+    <dgm:fillClrLst>
+      <a:schemeClr val="accent2"/>
+      <a:schemeClr val="accent3"/>
+    </dgm:fillClrLst>
+    <dgm:linClrLst meth="repeat">
+      <a:schemeClr val="lt1"/>
+    </dgm:linClrLst>
+    <dgm:effectClrLst/>
+    <dgm:txLinClrLst/>
+    <dgm:txFillClrLst/>
+    <dgm:txEffectClrLst/>
+  </dgm:styleLbl>
+  <dgm:styleLbl name="alignNode1">
+    <dgm:fillClrLst>
+      <a:schemeClr val="accent2"/>
+      <a:schemeClr val="accent3"/>
+    </dgm:fillClrLst>
+    <dgm:linClrLst>
+      <a:schemeClr val="accent2"/>
+      <a:schemeClr val="accent3"/>
+    </dgm:linClrLst>
+    <dgm:effectClrLst/>
+    <dgm:txLinClrLst/>
+    <dgm:txFillClrLst/>
+    <dgm:txEffectClrLst/>
+  </dgm:styleLbl>
+  <dgm:styleLbl name="lnNode1">
+    <dgm:fillClrLst>
+      <a:schemeClr val="accent2"/>
+      <a:schemeClr val="accent3"/>
+    </dgm:fillClrLst>
+    <dgm:linClrLst meth="repeat">
+      <a:schemeClr val="lt1"/>
+    </dgm:linClrLst>
+    <dgm:effectClrLst/>
+    <dgm:txLinClrLst/>
+    <dgm:txFillClrLst/>
+    <dgm:txEffectClrLst/>
+  </dgm:styleLbl>
+  <dgm:styleLbl name="vennNode1">
+    <dgm:fillClrLst>
+      <a:schemeClr val="accent2">
+        <a:alpha val="50000"/>
+      </a:schemeClr>
+      <a:schemeClr val="accent3">
+        <a:alpha val="50000"/>
+      </a:schemeClr>
+    </dgm:fillClrLst>
+    <dgm:linClrLst meth="repeat">
+      <a:schemeClr val="lt1"/>
+    </dgm:linClrLst>
+    <dgm:effectClrLst/>
+    <dgm:txLinClrLst/>
+    <dgm:txFillClrLst/>
+    <dgm:txEffectClrLst/>
+  </dgm:styleLbl>
+  <dgm:styleLbl name="node2">
+    <dgm:fillClrLst>
+      <a:schemeClr val="accent3"/>
+    </dgm:fillClrLst>
+    <dgm:linClrLst meth="repeat">
+      <a:schemeClr val="lt1"/>
+    </dgm:linClrLst>
+    <dgm:effectClrLst/>
+    <dgm:txLinClrLst/>
+    <dgm:txFillClrLst/>
+    <dgm:txEffectClrLst/>
+  </dgm:styleLbl>
+  <dgm:styleLbl name="node3">
+    <dgm:fillClrLst>
+      <a:schemeClr val="accent4"/>
+    </dgm:fillClrLst>
+    <dgm:linClrLst meth="repeat">
+      <a:schemeClr val="lt1"/>
+    </dgm:linClrLst>
+    <dgm:effectClrLst/>
+    <dgm:txLinClrLst/>
+    <dgm:txFillClrLst/>
+    <dgm:txEffectClrLst/>
+  </dgm:styleLbl>
+  <dgm:styleLbl name="node4">
+    <dgm:fillClrLst>
+      <a:schemeClr val="accent5"/>
+    </dgm:fillClrLst>
+    <dgm:linClrLst meth="repeat">
+      <a:schemeClr val="lt1"/>
+    </dgm:linClrLst>
+    <dgm:effectClrLst/>
+    <dgm:txLinClrLst/>
+    <dgm:txFillClrLst/>
+    <dgm:txEffectClrLst/>
+  </dgm:styleLbl>
+  <dgm:styleLbl name="fgImgPlace1">
+    <dgm:fillClrLst>
+      <a:schemeClr val="accent2">
+        <a:tint val="50000"/>
+      </a:schemeClr>
+      <a:schemeClr val="accent3">
+        <a:tint val="50000"/>
+      </a:schemeClr>
+    </dgm:fillClrLst>
+    <dgm:linClrLst meth="repeat">
+      <a:schemeClr val="lt1"/>
+    </dgm:linClrLst>
+    <dgm:effectClrLst/>
+    <dgm:txLinClrLst/>
+    <dgm:txFillClrLst meth="repeat">
+      <a:schemeClr val="lt1"/>
+    </dgm:txFillClrLst>
+    <dgm:txEffectClrLst/>
+  </dgm:styleLbl>
+  <dgm:styleLbl name="alignImgPlace1">
+    <dgm:fillClrLst>
+      <a:schemeClr val="accent2">
+        <a:tint val="50000"/>
+      </a:schemeClr>
+      <a:schemeClr val="accent3">
+        <a:tint val="20000"/>
+      </a:schemeClr>
+    </dgm:fillClrLst>
+    <dgm:linClrLst meth="repeat">
+      <a:schemeClr val="lt1"/>
+    </dgm:linClrLst>
+    <dgm:effectClrLst/>
+    <dgm:txLinClrLst/>
+    <dgm:txFillClrLst meth="repeat">
+      <a:schemeClr val="lt1"/>
+    </dgm:txFillClrLst>
+    <dgm:txEffectClrLst/>
+  </dgm:styleLbl>
+  <dgm:styleLbl name="bgImgPlace1">
+    <dgm:fillClrLst>
+      <a:schemeClr val="accent2">
+        <a:tint val="50000"/>
+      </a:schemeClr>
+      <a:schemeClr val="accent3">
+        <a:tint val="20000"/>
+      </a:schemeClr>
+    </dgm:fillClrLst>
+    <dgm:linClrLst meth="repeat">
+      <a:schemeClr val="lt1"/>
+    </dgm:linClrLst>
+    <dgm:effectClrLst/>
+    <dgm:txLinClrLst/>
+    <dgm:txFillClrLst meth="repeat">
+      <a:schemeClr val="lt1"/>
+    </dgm:txFillClrLst>
+    <dgm:txEffectClrLst/>
+  </dgm:styleLbl>
+  <dgm:styleLbl name="sibTrans2D1">
+    <dgm:fillClrLst>
+      <a:schemeClr val="accent2"/>
+      <a:schemeClr val="accent3"/>
+    </dgm:fillClrLst>
+    <dgm:linClrLst meth="repeat">
+      <a:schemeClr val="lt1"/>
+    </dgm:linClrLst>
+    <dgm:effectClrLst/>
+    <dgm:txLinClrLst/>
+    <dgm:txFillClrLst/>
+    <dgm:txEffectClrLst/>
+  </dgm:styleLbl>
+  <dgm:styleLbl name="fgSibTrans2D1">
+    <dgm:fillClrLst>
+      <a:schemeClr val="accent2"/>
+      <a:schemeClr val="accent3"/>
+    </dgm:fillClrLst>
+    <dgm:linClrLst meth="repeat">
+      <a:schemeClr val="lt1"/>
+    </dgm:linClrLst>
+    <dgm:effectClrLst/>
+    <dgm:txLinClrLst/>
+    <dgm:txFillClrLst meth="repeat">
+      <a:schemeClr val="lt1"/>
+    </dgm:txFillClrLst>
+    <dgm:txEffectClrLst/>
+  </dgm:styleLbl>
+  <dgm:styleLbl name="bgSibTrans2D1">
+    <dgm:fillClrLst>
+      <a:schemeClr val="accent2"/>
+      <a:schemeClr val="accent3"/>
+    </dgm:fillClrLst>
+    <dgm:linClrLst meth="repeat">
+      <a:schemeClr val="lt1"/>
+    </dgm:linClrLst>
+    <dgm:effectClrLst/>
+    <dgm:txLinClrLst/>
+    <dgm:txFillClrLst meth="repeat">
+      <a:schemeClr val="lt1"/>
+    </dgm:txFillClrLst>
+    <dgm:txEffectClrLst/>
+  </dgm:styleLbl>
+  <dgm:styleLbl name="sibTrans1D1">
+    <dgm:fillClrLst/>
+    <dgm:linClrLst>
+      <a:schemeClr val="accent2"/>
+      <a:schemeClr val="accent3"/>
+    </dgm:linClrLst>
+    <dgm:effectClrLst/>
+    <dgm:txLinClrLst/>
+    <dgm:txFillClrLst meth="repeat">
+      <a:schemeClr val="tx1"/>
+    </dgm:txFillClrLst>
+    <dgm:txEffectClrLst/>
+  </dgm:styleLbl>
+  <dgm:styleLbl name="callout">
+    <dgm:fillClrLst meth="repeat">
+      <a:schemeClr val="accent2"/>
+    </dgm:fillClrLst>
+    <dgm:linClrLst meth="repeat">
+      <a:schemeClr val="accent2">
+        <a:tint val="50000"/>
+      </a:schemeClr>
+    </dgm:linClrLst>
+    <dgm:effectClrLst/>
+    <dgm:txLinClrLst/>
+    <dgm:txFillClrLst meth="repeat">
+      <a:schemeClr val="tx1"/>
+    </dgm:txFillClrLst>
+    <dgm:txEffectClrLst/>
+  </dgm:styleLbl>
+  <dgm:styleLbl name="asst0">
+    <dgm:fillClrLst meth="repeat">
+      <a:schemeClr val="accent2"/>
+    </dgm:fillClrLst>
+    <dgm:linClrLst meth="repeat">
+      <a:schemeClr val="lt1">
+        <a:shade val="80000"/>
+      </a:schemeClr>
+    </dgm:linClrLst>
+    <dgm:effectClrLst/>
+    <dgm:txLinClrLst/>
+    <dgm:txFillClrLst/>
+    <dgm:txEffectClrLst/>
+  </dgm:styleLbl>
+  <dgm:styleLbl name="asst1">
+    <dgm:fillClrLst meth="repeat">
+      <a:schemeClr val="accent3"/>
+    </dgm:fillClrLst>
+    <dgm:linClrLst meth="repeat">
+      <a:schemeClr val="lt1">
+        <a:shade val="80000"/>
+      </a:schemeClr>
+    </dgm:linClrLst>
+    <dgm:effectClrLst/>
+    <dgm:txLinClrLst/>
+    <dgm:txFillClrLst/>
+    <dgm:txEffectClrLst/>
+  </dgm:styleLbl>
+  <dgm:styleLbl name="asst2">
+    <dgm:fillClrLst>
+      <a:schemeClr val="accent4"/>
+    </dgm:fillClrLst>
+    <dgm:linClrLst meth="repeat">
+      <a:schemeClr val="lt1"/>
+    </dgm:linClrLst>
+    <dgm:effectClrLst/>
+    <dgm:txLinClrLst/>
+    <dgm:txFillClrLst/>
+    <dgm:txEffectClrLst/>
+  </dgm:styleLbl>
+  <dgm:styleLbl name="asst3">
+    <dgm:fillClrLst>
+      <a:schemeClr val="accent5"/>
+    </dgm:fillClrLst>
+    <dgm:linClrLst meth="repeat">
+      <a:schemeClr val="lt1"/>
+    </dgm:linClrLst>
+    <dgm:effectClrLst/>
+    <dgm:txLinClrLst/>
+    <dgm:txFillClrLst/>
+    <dgm:txEffectClrLst/>
+  </dgm:styleLbl>
+  <dgm:styleLbl name="asst4">
+    <dgm:fillClrLst>
+      <a:schemeClr val="accent6"/>
+    </dgm:fillClrLst>
+    <dgm:linClrLst meth="repeat">
+      <a:schemeClr val="lt1"/>
+    </dgm:linClrLst>
+    <dgm:effectClrLst/>
+    <dgm:txLinClrLst/>
+    <dgm:txFillClrLst/>
+    <dgm:txEffectClrLst/>
+  </dgm:styleLbl>
+  <dgm:styleLbl name="parChTrans2D1">
+    <dgm:fillClrLst meth="repeat">
+      <a:schemeClr val="accent2"/>
+    </dgm:fillClrLst>
+    <dgm:linClrLst meth="repeat">
+      <a:schemeClr val="lt1"/>
+    </dgm:linClrLst>
+    <dgm:effectClrLst/>
+    <dgm:txLinClrLst/>
+    <dgm:txFillClrLst meth="repeat">
+      <a:schemeClr val="lt1"/>
+    </dgm:txFillClrLst>
+    <dgm:txEffectClrLst/>
+  </dgm:styleLbl>
+  <dgm:styleLbl name="parChTrans2D2">
+    <dgm:fillClrLst meth="repeat">
+      <a:schemeClr val="accent3"/>
+    </dgm:fillClrLst>
+    <dgm:linClrLst meth="repeat">
+      <a:schemeClr val="lt1"/>
+    </dgm:linClrLst>
+    <dgm:effectClrLst/>
+    <dgm:txLinClrLst/>
+    <dgm:txFillClrLst/>
+    <dgm:txEffectClrLst/>
+  </dgm:styleLbl>
+  <dgm:styleLbl name="parChTrans2D3">
+    <dgm:fillClrLst meth="repeat">
+      <a:schemeClr val="accent4"/>
+    </dgm:fillClrLst>
+    <dgm:linClrLst meth="repeat">
+      <a:schemeClr val="lt1"/>
+    </dgm:linClrLst>
+    <dgm:effectClrLst/>
+    <dgm:txLinClrLst/>
+    <dgm:txFillClrLst/>
+    <dgm:txEffectClrLst/>
+  </dgm:styleLbl>
+  <dgm:styleLbl name="parChTrans2D4">
+    <dgm:fillClrLst meth="repeat">
+      <a:schemeClr val="accent5"/>
+    </dgm:fillClrLst>
+    <dgm:linClrLst meth="repeat">
+      <a:schemeClr val="lt1"/>
+    </dgm:linClrLst>
+    <dgm:effectClrLst/>
+    <dgm:txLinClrLst/>
+    <dgm:txFillClrLst meth="repeat">
+      <a:schemeClr val="lt1"/>
+    </dgm:txFillClrLst>
+    <dgm:txEffectClrLst/>
+  </dgm:styleLbl>
+  <dgm:styleLbl name="parChTrans1D1">
+    <dgm:fillClrLst meth="repeat">
+      <a:schemeClr val="accent2"/>
+    </dgm:fillClrLst>
+    <dgm:linClrLst meth="repeat">
+      <a:schemeClr val="accent2"/>
+    </dgm:linClrLst>
+    <dgm:effectClrLst/>
+    <dgm:txLinClrLst/>
+    <dgm:txFillClrLst meth="repeat">
+      <a:schemeClr val="tx1"/>
+    </dgm:txFillClrLst>
+    <dgm:txEffectClrLst/>
+  </dgm:styleLbl>
+  <dgm:styleLbl name="parChTrans1D2">
+    <dgm:fillClrLst meth="repeat">
+      <a:schemeClr val="accent2">
+        <a:tint val="90000"/>
+      </a:schemeClr>
+    </dgm:fillClrLst>
+    <dgm:linClrLst meth="repeat">
+      <a:schemeClr val="accent3"/>
+    </dgm:linClrLst>
+    <dgm:effectClrLst/>
+    <dgm:txLinClrLst/>
+    <dgm:txFillClrLst meth="repeat">
+      <a:schemeClr val="tx1"/>
+    </dgm:txFillClrLst>
+    <dgm:txEffectClrLst/>
+  </dgm:styleLbl>
+  <dgm:styleLbl name="parChTrans1D3">
+    <dgm:fillClrLst meth="repeat">
+      <a:schemeClr val="accent2">
+        <a:tint val="70000"/>
+      </a:schemeClr>
+    </dgm:fillClrLst>
+    <dgm:linClrLst meth="repeat">
+      <a:schemeClr val="accent4"/>
+    </dgm:linClrLst>
+    <dgm:effectClrLst/>
+    <dgm:txLinClrLst/>
+    <dgm:txFillClrLst meth="repeat">
+      <a:schemeClr val="tx1"/>
+    </dgm:txFillClrLst>
+    <dgm:txEffectClrLst/>
+  </dgm:styleLbl>
+  <dgm:styleLbl name="parChTrans1D4">
+    <dgm:fillClrLst meth="repeat">
+      <a:schemeClr val="accent2">
+        <a:tint val="50000"/>
+      </a:schemeClr>
+    </dgm:fillClrLst>
+    <dgm:linClrLst meth="repeat">
+      <a:schemeClr val="accent5"/>
+    </dgm:linClrLst>
+    <dgm:effectClrLst/>
+    <dgm:txLinClrLst/>
+    <dgm:txFillClrLst meth="repeat">
+      <a:schemeClr val="tx1"/>
+    </dgm:txFillClrLst>
+    <dgm:txEffectClrLst/>
+  </dgm:styleLbl>
+  <dgm:styleLbl name="fgAcc1">
+    <dgm:fillClrLst meth="repeat">
+      <a:schemeClr val="lt1">
+        <a:alpha val="90000"/>
+      </a:schemeClr>
+    </dgm:fillClrLst>
+    <dgm:linClrLst>
+      <a:schemeClr val="accent2"/>
+      <a:schemeClr val="accent3"/>
+    </dgm:linClrLst>
+    <dgm:effectClrLst/>
+    <dgm:txLinClrLst/>
+    <dgm:txFillClrLst meth="repeat">
+      <a:schemeClr val="dk1"/>
+    </dgm:txFillClrLst>
+    <dgm:txEffectClrLst/>
+  </dgm:styleLbl>
+  <dgm:styleLbl name="conFgAcc1">
+    <dgm:fillClrLst meth="repeat">
+      <a:schemeClr val="lt1">
+        <a:alpha val="90000"/>
+      </a:schemeClr>
+    </dgm:fillClrLst>
+    <dgm:linClrLst>
+      <a:schemeClr val="accent2"/>
+      <a:schemeClr val="accent3"/>
+    </dgm:linClrLst>
+    <dgm:effectClrLst/>
+    <dgm:txLinClrLst/>
+    <dgm:txFillClrLst meth="repeat">
+      <a:schemeClr val="dk1"/>
+    </dgm:txFillClrLst>
+    <dgm:txEffectClrLst/>
+  </dgm:styleLbl>
+  <dgm:styleLbl name="alignAcc1">
+    <dgm:fillClrLst meth="repeat">
+      <a:schemeClr val="lt1">
+        <a:alpha val="90000"/>
+      </a:schemeClr>
+    </dgm:fillClrLst>
+    <dgm:linClrLst>
+      <a:schemeClr val="accent2"/>
+      <a:schemeClr val="accent3"/>
+    </dgm:linClrLst>
+    <dgm:effectClrLst/>
+    <dgm:txLinClrLst/>
+    <dgm:txFillClrLst meth="repeat">
+      <a:schemeClr val="dk1"/>
+    </dgm:txFillClrLst>
+    <dgm:txEffectClrLst/>
+  </dgm:styleLbl>
+  <dgm:styleLbl name="trAlignAcc1">
+    <dgm:fillClrLst meth="repeat">
+      <a:schemeClr val="lt1">
+        <a:alpha val="40000"/>
+      </a:schemeClr>
+    </dgm:fillClrLst>
+    <dgm:linClrLst meth="repeat">
+      <a:schemeClr val="accent2"/>
+    </dgm:linClrLst>
+    <dgm:effectClrLst/>
+    <dgm:txLinClrLst/>
+    <dgm:txFillClrLst meth="repeat">
+      <a:schemeClr val="dk1"/>
+    </dgm:txFillClrLst>
+    <dgm:txEffectClrLst/>
+  </dgm:styleLbl>
+  <dgm:styleLbl name="bgAcc1">
+    <dgm:fillClrLst meth="repeat">
+      <a:schemeClr val="lt1">
+        <a:alpha val="90000"/>
+      </a:schemeClr>
+    </dgm:fillClrLst>
+    <dgm:linClrLst>
+      <a:schemeClr val="accent2"/>
+      <a:schemeClr val="accent3"/>
+    </dgm:linClrLst>
+    <dgm:effectClrLst/>
+    <dgm:txLinClrLst/>
+    <dgm:txFillClrLst meth="repeat">
+      <a:schemeClr val="dk1"/>
+    </dgm:txFillClrLst>
+    <dgm:txEffectClrLst/>
+  </dgm:styleLbl>
+  <dgm:styleLbl name="solidFgAcc1">
+    <dgm:fillClrLst meth="repeat">
+      <a:schemeClr val="lt1"/>
+    </dgm:fillClrLst>
+    <dgm:linClrLst>
+      <a:schemeClr val="accent2"/>
+      <a:schemeClr val="accent3"/>
+    </dgm:linClrLst>
+    <dgm:effectClrLst/>
+    <dgm:txLinClrLst/>
+    <dgm:txFillClrLst meth="repeat">
+      <a:schemeClr val="dk1"/>
+    </dgm:txFillClrLst>
+    <dgm:txEffectClrLst/>
+  </dgm:styleLbl>
+  <dgm:styleLbl name="solidAlignAcc1">
+    <dgm:fillClrLst meth="repeat">
+      <a:schemeClr val="lt1"/>
+    </dgm:fillClrLst>
+    <dgm:linClrLst>
+      <a:schemeClr val="accent2"/>
+      <a:schemeClr val="accent3"/>
+    </dgm:linClrLst>
+    <dgm:effectClrLst/>
+    <dgm:txLinClrLst/>
+    <dgm:txFillClrLst meth="repeat">
+      <a:schemeClr val="dk1"/>
+    </dgm:txFillClrLst>
+    <dgm:txEffectClrLst/>
+  </dgm:styleLbl>
+  <dgm:styleLbl name="solidBgAcc1">
+    <dgm:fillClrLst meth="repeat">
+      <a:schemeClr val="lt1"/>
+    </dgm:fillClrLst>
+    <dgm:linClrLst>
+      <a:schemeClr val="accent2"/>
+      <a:schemeClr val="accent3"/>
+    </dgm:linClrLst>
+    <dgm:effectClrLst/>
+    <dgm:txLinClrLst/>
+    <dgm:txFillClrLst meth="repeat">
+      <a:schemeClr val="dk1"/>
+    </dgm:txFillClrLst>
+    <dgm:txEffectClrLst/>
+  </dgm:styleLbl>
+  <dgm:styleLbl name="fgAccFollowNode1">
+    <dgm:fillClrLst>
+      <a:schemeClr val="accent2">
+        <a:tint val="40000"/>
+        <a:alpha val="90000"/>
+      </a:schemeClr>
+      <a:schemeClr val="accent3">
+        <a:tint val="40000"/>
+        <a:alpha val="90000"/>
+      </a:schemeClr>
+    </dgm:fillClrLst>
+    <dgm:linClrLst>
+      <a:schemeClr val="accent2">
+        <a:tint val="40000"/>
+        <a:alpha val="90000"/>
+      </a:schemeClr>
+      <a:schemeClr val="accent3">
+        <a:tint val="40000"/>
+        <a:alpha val="90000"/>
+      </a:schemeClr>
+    </dgm:linClrLst>
+    <dgm:effectClrLst/>
+    <dgm:txLinClrLst/>
+    <dgm:txFillClrLst meth="repeat">
+      <a:schemeClr val="dk1"/>
+    </dgm:txFillClrLst>
+    <dgm:txEffectClrLst/>
+  </dgm:styleLbl>
+  <dgm:styleLbl name="alignAccFollowNode1">
+    <dgm:fillClrLst>
+      <a:schemeClr val="accent2">
+        <a:tint val="40000"/>
+        <a:alpha val="90000"/>
+      </a:schemeClr>
+      <a:schemeClr val="accent3">
+        <a:tint val="40000"/>
+        <a:alpha val="90000"/>
+      </a:schemeClr>
+    </dgm:fillClrLst>
+    <dgm:linClrLst>
+      <a:schemeClr val="accent2">
+        <a:tint val="40000"/>
+        <a:alpha val="90000"/>
+      </a:schemeClr>
+      <a:schemeClr val="accent3">
+        <a:tint val="40000"/>
+        <a:alpha val="90000"/>
+      </a:schemeClr>
+    </dgm:linClrLst>
+    <dgm:effectClrLst/>
+    <dgm:txLinClrLst/>
+    <dgm:txFillClrLst meth="repeat">
+      <a:schemeClr val="dk1"/>
+    </dgm:txFillClrLst>
+    <dgm:txEffectClrLst/>
+  </dgm:styleLbl>
+  <dgm:styleLbl name="bgAccFollowNode1">
+    <dgm:fillClrLst>
+      <a:schemeClr val="accent2">
+        <a:tint val="40000"/>
+        <a:alpha val="90000"/>
+      </a:schemeClr>
+      <a:schemeClr val="accent3">
+        <a:tint val="40000"/>
+        <a:alpha val="90000"/>
+      </a:schemeClr>
+    </dgm:fillClrLst>
+    <dgm:linClrLst>
+      <a:schemeClr val="accent2">
+        <a:tint val="40000"/>
+        <a:alpha val="90000"/>
+      </a:schemeClr>
+      <a:schemeClr val="accent3">
+        <a:tint val="40000"/>
+        <a:alpha val="90000"/>
+      </a:schemeClr>
+    </dgm:linClrLst>
+    <dgm:effectClrLst/>
+    <dgm:txLinClrLst/>
+    <dgm:txFillClrLst meth="repeat">
+      <a:schemeClr val="dk1"/>
+    </dgm:txFillClrLst>
+    <dgm:txEffectClrLst/>
+  </dgm:styleLbl>
+  <dgm:styleLbl name="fgAcc0">
+    <dgm:fillClrLst meth="repeat">
+      <a:schemeClr val="lt1">
+        <a:alpha val="90000"/>
+      </a:schemeClr>
+    </dgm:fillClrLst>
+    <dgm:linClrLst>
+      <a:schemeClr val="accent1"/>
+    </dgm:linClrLst>
+    <dgm:effectClrLst/>
+    <dgm:txLinClrLst/>
+    <dgm:txFillClrLst meth="repeat">
+      <a:schemeClr val="dk1"/>
+    </dgm:txFillClrLst>
+    <dgm:txEffectClrLst/>
+  </dgm:styleLbl>
+  <dgm:styleLbl name="fgAcc2">
+    <dgm:fillClrLst meth="repeat">
+      <a:schemeClr val="lt1">
+        <a:alpha val="90000"/>
+      </a:schemeClr>
+    </dgm:fillClrLst>
+    <dgm:linClrLst>
+      <a:schemeClr val="accent3"/>
+    </dgm:linClrLst>
+    <dgm:effectClrLst/>
+    <dgm:txLinClrLst/>
+    <dgm:txFillClrLst meth="repeat">
+      <a:schemeClr val="dk1"/>
+    </dgm:txFillClrLst>
+    <dgm:txEffectClrLst/>
+  </dgm:styleLbl>
+  <dgm:styleLbl name="fgAcc3">
+    <dgm:fillClrLst meth="repeat">
+      <a:schemeClr val="lt1">
+        <a:alpha val="90000"/>
+      </a:schemeClr>
+    </dgm:fillClrLst>
+    <dgm:linClrLst>
+      <a:schemeClr val="accent4"/>
+    </dgm:linClrLst>
+    <dgm:effectClrLst/>
+    <dgm:txLinClrLst/>
+    <dgm:txFillClrLst meth="repeat">
+      <a:schemeClr val="dk1"/>
+    </dgm:txFillClrLst>
+    <dgm:txEffectClrLst/>
+  </dgm:styleLbl>
+  <dgm:styleLbl name="fgAcc4">
+    <dgm:fillClrLst meth="repeat">
+      <a:schemeClr val="lt1">
+        <a:alpha val="90000"/>
+      </a:schemeClr>
+    </dgm:fillClrLst>
+    <dgm:linClrLst>
+      <a:schemeClr val="accent5"/>
+    </dgm:linClrLst>
+    <dgm:effectClrLst/>
+    <dgm:txLinClrLst/>
+    <dgm:txFillClrLst meth="repeat">
+      <a:schemeClr val="dk1"/>
+    </dgm:txFillClrLst>
+    <dgm:txEffectClrLst/>
+  </dgm:styleLbl>
+  <dgm:styleLbl name="bgShp">
+    <dgm:fillClrLst meth="repeat">
+      <a:schemeClr val="accent2">
+        <a:tint val="40000"/>
+      </a:schemeClr>
+    </dgm:fillClrLst>
+    <dgm:linClrLst meth="repeat">
+      <a:schemeClr val="dk1"/>
+    </dgm:linClrLst>
+    <dgm:effectClrLst/>
+    <dgm:txLinClrLst/>
+    <dgm:txFillClrLst meth="repeat">
+      <a:schemeClr val="dk1"/>
+    </dgm:txFillClrLst>
+    <dgm:txEffectClrLst/>
+  </dgm:styleLbl>
+  <dgm:styleLbl name="dkBgShp">
+    <dgm:fillClrLst meth="repeat">
+      <a:schemeClr val="accent2">
+        <a:shade val="90000"/>
+      </a:schemeClr>
+    </dgm:fillClrLst>
+    <dgm:linClrLst meth="repeat">
+      <a:schemeClr val="dk1"/>
+    </dgm:linClrLst>
+    <dgm:effectClrLst/>
+    <dgm:txLinClrLst/>
+    <dgm:txFillClrLst meth="repeat">
+      <a:schemeClr val="lt1"/>
+    </dgm:txFillClrLst>
+    <dgm:txEffectClrLst/>
+  </dgm:styleLbl>
+  <dgm:styleLbl name="trBgShp">
+    <dgm:fillClrLst meth="repeat">
+      <a:schemeClr val="accent2">
+        <a:tint val="50000"/>
+        <a:alpha val="40000"/>
+      </a:schemeClr>
+    </dgm:fillClrLst>
+    <dgm:linClrLst meth="repeat">
+      <a:schemeClr val="accent2"/>
+    </dgm:linClrLst>
+    <dgm:effectClrLst/>
+    <dgm:txLinClrLst/>
+    <dgm:txFillClrLst meth="repeat">
+      <a:schemeClr val="lt1"/>
+    </dgm:txFillClrLst>
+    <dgm:txEffectClrLst/>
+  </dgm:styleLbl>
+  <dgm:styleLbl name="fgShp">
+    <dgm:fillClrLst meth="repeat">
+      <a:schemeClr val="accent2">
+        <a:tint val="40000"/>
+      </a:schemeClr>
+    </dgm:fillClrLst>
+    <dgm:linClrLst meth="repeat">
+      <a:schemeClr val="lt1"/>
+    </dgm:linClrLst>
+    <dgm:effectClrLst/>
+    <dgm:txLinClrLst/>
+    <dgm:txFillClrLst meth="repeat">
+      <a:schemeClr val="dk1"/>
+    </dgm:txFillClrLst>
+    <dgm:txEffectClrLst/>
+  </dgm:styleLbl>
+  <dgm:styleLbl name="revTx">
+    <dgm:fillClrLst meth="repeat">
+      <a:schemeClr val="lt1">
+        <a:alpha val="0"/>
+      </a:schemeClr>
+    </dgm:fillClrLst>
+    <dgm:linClrLst meth="repeat">
+      <a:schemeClr val="dk1">
+        <a:alpha val="0"/>
+      </a:schemeClr>
+    </dgm:linClrLst>
+    <dgm:effectClrLst/>
+    <dgm:txLinClrLst/>
+    <dgm:txFillClrLst meth="repeat">
+      <a:schemeClr val="tx1"/>
+    </dgm:txFillClrLst>
+    <dgm:txEffectClrLst/>
+  </dgm:styleLbl>
+</dgm:colorsDef>
+</file>
+
+<file path=ppt/diagrams/data1.xml><?xml version="1.0" encoding="utf-8"?>
+<dgm:dataModel xmlns:dgm="http://schemas.openxmlformats.org/drawingml/2006/diagram" xmlns:a="http://schemas.openxmlformats.org/drawingml/2006/main">
+  <dgm:ptLst>
+    <dgm:pt modelId="{2EA53B0A-DB33-4BA2-9F41-B9733777404E}" type="doc">
+      <dgm:prSet loTypeId="urn:microsoft.com/office/officeart/2005/8/layout/vList5" loCatId="list" qsTypeId="urn:microsoft.com/office/officeart/2005/8/quickstyle/simple2" qsCatId="simple" csTypeId="urn:microsoft.com/office/officeart/2005/8/colors/colorful2" csCatId="colorful" phldr="1"/>
+      <dgm:spPr/>
+      <dgm:t>
+        <a:bodyPr/>
+        <a:lstStyle/>
+        <a:p>
+          <a:endParaRPr lang="en-US"/>
+        </a:p>
+      </dgm:t>
+    </dgm:pt>
+    <dgm:pt modelId="{AF6CD789-951B-4E4D-B599-1A996F0F6389}">
+      <dgm:prSet/>
+      <dgm:spPr/>
+      <dgm:t>
+        <a:bodyPr/>
+        <a:lstStyle/>
+        <a:p>
+          <a:r>
+            <a:rPr lang="en-US" baseline="0" dirty="0"/>
+            <a:t>Hypothesis: Units in stock has a statistically significant relationship with Units in order and the more units in stock there are, in general, the fewer units in order there will be.</a:t>
+          </a:r>
+          <a:endParaRPr lang="en-US" dirty="0"/>
+        </a:p>
+      </dgm:t>
+    </dgm:pt>
+    <dgm:pt modelId="{39E7A7D4-E31F-497C-96AF-85F3F2E5F14B}" type="parTrans" cxnId="{A446A995-54B0-4029-AC85-AA1F8C56B262}">
+      <dgm:prSet/>
+      <dgm:spPr/>
+      <dgm:t>
+        <a:bodyPr/>
+        <a:lstStyle/>
+        <a:p>
+          <a:endParaRPr lang="en-US"/>
+        </a:p>
+      </dgm:t>
+    </dgm:pt>
+    <dgm:pt modelId="{BA9FFDA7-C79C-4C8C-ABD8-CC626DC17CD5}" type="sibTrans" cxnId="{A446A995-54B0-4029-AC85-AA1F8C56B262}">
+      <dgm:prSet/>
+      <dgm:spPr/>
+      <dgm:t>
+        <a:bodyPr/>
+        <a:lstStyle/>
+        <a:p>
+          <a:endParaRPr lang="en-US"/>
+        </a:p>
+      </dgm:t>
+    </dgm:pt>
+    <dgm:pt modelId="{D1E28F21-17BC-4E56-B84E-03D28E177F33}">
+      <dgm:prSet/>
+      <dgm:spPr/>
+      <dgm:t>
+        <a:bodyPr/>
+        <a:lstStyle/>
+        <a:p>
+          <a:r>
+            <a:rPr lang="en-US" i="1" baseline="0"/>
+            <a:t>It makes Sense considering that stores wouldn’t want to hold too many units of a product, as keeping too much inventory has opportunity costs and maintenance costs. </a:t>
+          </a:r>
+          <a:endParaRPr lang="en-US"/>
+        </a:p>
+      </dgm:t>
+    </dgm:pt>
+    <dgm:pt modelId="{5C048FB1-3E8A-43AA-B7DA-0B24A998006E}" type="parTrans" cxnId="{3410C6F8-35D6-4B2C-AD44-B6E74B3F1D95}">
+      <dgm:prSet/>
+      <dgm:spPr/>
+      <dgm:t>
+        <a:bodyPr/>
+        <a:lstStyle/>
+        <a:p>
+          <a:endParaRPr lang="en-US"/>
+        </a:p>
+      </dgm:t>
+    </dgm:pt>
+    <dgm:pt modelId="{F57D09F8-F8B0-49C8-81A3-A04EFA0C7E98}" type="sibTrans" cxnId="{3410C6F8-35D6-4B2C-AD44-B6E74B3F1D95}">
+      <dgm:prSet/>
+      <dgm:spPr/>
+      <dgm:t>
+        <a:bodyPr/>
+        <a:lstStyle/>
+        <a:p>
+          <a:endParaRPr lang="en-US"/>
+        </a:p>
+      </dgm:t>
+    </dgm:pt>
+    <dgm:pt modelId="{5FB427D2-3C46-4A0F-8C6F-49F6FD1D508B}">
+      <dgm:prSet/>
+      <dgm:spPr/>
+      <dgm:t>
+        <a:bodyPr/>
+        <a:lstStyle/>
+        <a:p>
+          <a:r>
+            <a:rPr lang="en-US" i="1" baseline="0"/>
+            <a:t>Interestingly, any product that had more than the median Units in stock actually had zero units on order.</a:t>
+          </a:r>
+          <a:endParaRPr lang="en-US"/>
+        </a:p>
+      </dgm:t>
+    </dgm:pt>
+    <dgm:pt modelId="{EE741C07-7D4A-441D-BD79-32D62A30C713}" type="parTrans" cxnId="{FA522A28-F74D-45B8-BA48-5AA4EA93D97F}">
+      <dgm:prSet/>
+      <dgm:spPr/>
+      <dgm:t>
+        <a:bodyPr/>
+        <a:lstStyle/>
+        <a:p>
+          <a:endParaRPr lang="en-US"/>
+        </a:p>
+      </dgm:t>
+    </dgm:pt>
+    <dgm:pt modelId="{55F1C4D9-E874-44B2-AA5C-B91539230C0C}" type="sibTrans" cxnId="{FA522A28-F74D-45B8-BA48-5AA4EA93D97F}">
+      <dgm:prSet/>
+      <dgm:spPr/>
+      <dgm:t>
+        <a:bodyPr/>
+        <a:lstStyle/>
+        <a:p>
+          <a:endParaRPr lang="en-US"/>
+        </a:p>
+      </dgm:t>
+    </dgm:pt>
+    <dgm:pt modelId="{8C66A14B-3B21-4A82-A9AE-EE885EABC898}">
+      <dgm:prSet/>
+      <dgm:spPr/>
+      <dgm:t>
+        <a:bodyPr/>
+        <a:lstStyle/>
+        <a:p>
+          <a:r>
+            <a:rPr lang="en-US" baseline="0" dirty="0"/>
+            <a:t>Finding: Units in stock does have a statistically significant impact on units on order. </a:t>
+          </a:r>
+          <a:endParaRPr lang="en-US" dirty="0"/>
+        </a:p>
+      </dgm:t>
+    </dgm:pt>
+    <dgm:pt modelId="{318FC13B-3384-4E99-A3E6-307950E245E6}" type="parTrans" cxnId="{FE37C4E1-5FAC-413F-A0A2-27E4AF96C899}">
+      <dgm:prSet/>
+      <dgm:spPr/>
+      <dgm:t>
+        <a:bodyPr/>
+        <a:lstStyle/>
+        <a:p>
+          <a:endParaRPr lang="en-US"/>
+        </a:p>
+      </dgm:t>
+    </dgm:pt>
+    <dgm:pt modelId="{46AB171B-E629-4392-B79B-0BF41ADD4BDB}" type="sibTrans" cxnId="{FE37C4E1-5FAC-413F-A0A2-27E4AF96C899}">
+      <dgm:prSet/>
+      <dgm:spPr/>
+      <dgm:t>
+        <a:bodyPr/>
+        <a:lstStyle/>
+        <a:p>
+          <a:endParaRPr lang="en-US"/>
+        </a:p>
+      </dgm:t>
+    </dgm:pt>
+    <dgm:pt modelId="{A209AF3A-4F22-4F8E-A8A8-A7D812C64ED0}">
+      <dgm:prSet/>
+      <dgm:spPr/>
+      <dgm:t>
+        <a:bodyPr/>
+        <a:lstStyle/>
+        <a:p>
+          <a:r>
+            <a:rPr lang="en-US" i="1" baseline="0"/>
+            <a:t>With this knowledge, we may be able to create predictive model that helps order exactly how much/many of a product we’d need. </a:t>
+          </a:r>
+          <a:endParaRPr lang="en-US"/>
+        </a:p>
+      </dgm:t>
+    </dgm:pt>
+    <dgm:pt modelId="{5FA1FA47-7A69-462A-803E-B1C02C6CA9E6}" type="parTrans" cxnId="{A9089A3A-5EBD-4035-AE7B-64C234DEED06}">
+      <dgm:prSet/>
+      <dgm:spPr/>
+      <dgm:t>
+        <a:bodyPr/>
+        <a:lstStyle/>
+        <a:p>
+          <a:endParaRPr lang="en-US"/>
+        </a:p>
+      </dgm:t>
+    </dgm:pt>
+    <dgm:pt modelId="{E3398327-2910-420C-9A33-804230CFAF0A}" type="sibTrans" cxnId="{A9089A3A-5EBD-4035-AE7B-64C234DEED06}">
+      <dgm:prSet/>
+      <dgm:spPr/>
+      <dgm:t>
+        <a:bodyPr/>
+        <a:lstStyle/>
+        <a:p>
+          <a:endParaRPr lang="en-US"/>
+        </a:p>
+      </dgm:t>
+    </dgm:pt>
+    <dgm:pt modelId="{37F00FEB-AC52-4E31-A6EE-AF281609BFE1}">
+      <dgm:prSet/>
+      <dgm:spPr/>
+      <dgm:t>
+        <a:bodyPr/>
+        <a:lstStyle/>
+        <a:p>
+          <a:r>
+            <a:rPr lang="en-US" i="1" baseline="0" dirty="0"/>
+            <a:t>We can also simplify our ordering system to automatically take out goods that are above the median level so that they do not get accidentally ordered when not needed. </a:t>
+          </a:r>
+          <a:endParaRPr lang="en-US" dirty="0"/>
+        </a:p>
+      </dgm:t>
+    </dgm:pt>
+    <dgm:pt modelId="{D26E564B-AB1E-461B-9B87-83E61D16D96F}" type="parTrans" cxnId="{A6208EE8-7C5A-4329-BC30-053264AC593E}">
+      <dgm:prSet/>
+      <dgm:spPr/>
+      <dgm:t>
+        <a:bodyPr/>
+        <a:lstStyle/>
+        <a:p>
+          <a:endParaRPr lang="en-US"/>
+        </a:p>
+      </dgm:t>
+    </dgm:pt>
+    <dgm:pt modelId="{1C6388D6-0FA5-4951-9388-47FFFF3C7136}" type="sibTrans" cxnId="{A6208EE8-7C5A-4329-BC30-053264AC593E}">
+      <dgm:prSet/>
+      <dgm:spPr/>
+      <dgm:t>
+        <a:bodyPr/>
+        <a:lstStyle/>
+        <a:p>
+          <a:endParaRPr lang="en-US"/>
+        </a:p>
+      </dgm:t>
+    </dgm:pt>
+    <dgm:pt modelId="{14DF142D-080A-4AAD-B011-0004140BA1D8}">
+      <dgm:prSet/>
+      <dgm:spPr/>
+      <dgm:t>
+        <a:bodyPr/>
+        <a:lstStyle/>
+        <a:p>
+          <a:r>
+            <a:rPr lang="en-US" dirty="0"/>
+            <a:t>We can actually see that when a product has Units In Stock that is greater than the median, it basically has no units being ordered for it. </a:t>
+          </a:r>
+        </a:p>
+      </dgm:t>
+    </dgm:pt>
+    <dgm:pt modelId="{828E7BBD-1752-4D44-9500-043BCA4F2CD7}" type="parTrans" cxnId="{4ED20BDC-5EA0-46EA-9009-4BBF45485ED6}">
+      <dgm:prSet/>
+      <dgm:spPr/>
+      <dgm:t>
+        <a:bodyPr/>
+        <a:lstStyle/>
+        <a:p>
+          <a:endParaRPr lang="en-US"/>
+        </a:p>
+      </dgm:t>
+    </dgm:pt>
+    <dgm:pt modelId="{C99550AC-45F9-46B7-9B93-21ECEAD7E9F1}" type="sibTrans" cxnId="{4ED20BDC-5EA0-46EA-9009-4BBF45485ED6}">
+      <dgm:prSet/>
+      <dgm:spPr/>
+      <dgm:t>
+        <a:bodyPr/>
+        <a:lstStyle/>
+        <a:p>
+          <a:endParaRPr lang="en-US"/>
+        </a:p>
+      </dgm:t>
+    </dgm:pt>
+    <dgm:pt modelId="{E78226D7-F8E8-45A1-8917-64282751387C}" type="pres">
+      <dgm:prSet presAssocID="{2EA53B0A-DB33-4BA2-9F41-B9733777404E}" presName="Name0" presStyleCnt="0">
+        <dgm:presLayoutVars>
+          <dgm:dir/>
+          <dgm:animLvl val="lvl"/>
+          <dgm:resizeHandles val="exact"/>
+        </dgm:presLayoutVars>
+      </dgm:prSet>
+      <dgm:spPr/>
+    </dgm:pt>
+    <dgm:pt modelId="{99CC5CAD-3747-4F88-8206-B080774EB18D}" type="pres">
+      <dgm:prSet presAssocID="{AF6CD789-951B-4E4D-B599-1A996F0F6389}" presName="linNode" presStyleCnt="0"/>
+      <dgm:spPr/>
+    </dgm:pt>
+    <dgm:pt modelId="{DC2B8F37-DA9E-4DC0-8C5D-692058F037AE}" type="pres">
+      <dgm:prSet presAssocID="{AF6CD789-951B-4E4D-B599-1A996F0F6389}" presName="parentText" presStyleLbl="node1" presStyleIdx="0" presStyleCnt="2">
+        <dgm:presLayoutVars>
+          <dgm:chMax val="1"/>
+          <dgm:bulletEnabled val="1"/>
+        </dgm:presLayoutVars>
+      </dgm:prSet>
+      <dgm:spPr/>
+    </dgm:pt>
+    <dgm:pt modelId="{7E867920-595A-4EE8-A7A8-E7EDF0FD0568}" type="pres">
+      <dgm:prSet presAssocID="{AF6CD789-951B-4E4D-B599-1A996F0F6389}" presName="descendantText" presStyleLbl="alignAccFollowNode1" presStyleIdx="0" presStyleCnt="2">
+        <dgm:presLayoutVars>
+          <dgm:bulletEnabled val="1"/>
+        </dgm:presLayoutVars>
+      </dgm:prSet>
+      <dgm:spPr/>
+    </dgm:pt>
+    <dgm:pt modelId="{84F02C58-C58D-4DC6-BBFB-D1413F1C37B9}" type="pres">
+      <dgm:prSet presAssocID="{BA9FFDA7-C79C-4C8C-ABD8-CC626DC17CD5}" presName="sp" presStyleCnt="0"/>
+      <dgm:spPr/>
+    </dgm:pt>
+    <dgm:pt modelId="{BB3E1958-99D9-4CD1-B135-C5DC86CEEA2D}" type="pres">
+      <dgm:prSet presAssocID="{8C66A14B-3B21-4A82-A9AE-EE885EABC898}" presName="linNode" presStyleCnt="0"/>
+      <dgm:spPr/>
+    </dgm:pt>
+    <dgm:pt modelId="{72DAF287-0B3A-475C-B51A-B46C07D6D9EB}" type="pres">
+      <dgm:prSet presAssocID="{8C66A14B-3B21-4A82-A9AE-EE885EABC898}" presName="parentText" presStyleLbl="node1" presStyleIdx="1" presStyleCnt="2">
+        <dgm:presLayoutVars>
+          <dgm:chMax val="1"/>
+          <dgm:bulletEnabled val="1"/>
+        </dgm:presLayoutVars>
+      </dgm:prSet>
+      <dgm:spPr/>
+    </dgm:pt>
+    <dgm:pt modelId="{4793CCF5-6828-4727-987D-23DF25AFDD38}" type="pres">
+      <dgm:prSet presAssocID="{8C66A14B-3B21-4A82-A9AE-EE885EABC898}" presName="descendantText" presStyleLbl="alignAccFollowNode1" presStyleIdx="1" presStyleCnt="2">
+        <dgm:presLayoutVars>
+          <dgm:bulletEnabled val="1"/>
+        </dgm:presLayoutVars>
+      </dgm:prSet>
+      <dgm:spPr/>
+    </dgm:pt>
+  </dgm:ptLst>
+  <dgm:cxnLst>
+    <dgm:cxn modelId="{4B6D4C06-7656-4F5D-8B69-308654AEA30B}" type="presOf" srcId="{2EA53B0A-DB33-4BA2-9F41-B9733777404E}" destId="{E78226D7-F8E8-45A1-8917-64282751387C}" srcOrd="0" destOrd="0" presId="urn:microsoft.com/office/officeart/2005/8/layout/vList5"/>
+    <dgm:cxn modelId="{FA522A28-F74D-45B8-BA48-5AA4EA93D97F}" srcId="{AF6CD789-951B-4E4D-B599-1A996F0F6389}" destId="{5FB427D2-3C46-4A0F-8C6F-49F6FD1D508B}" srcOrd="1" destOrd="0" parTransId="{EE741C07-7D4A-441D-BD79-32D62A30C713}" sibTransId="{55F1C4D9-E874-44B2-AA5C-B91539230C0C}"/>
+    <dgm:cxn modelId="{A9089A3A-5EBD-4035-AE7B-64C234DEED06}" srcId="{8C66A14B-3B21-4A82-A9AE-EE885EABC898}" destId="{A209AF3A-4F22-4F8E-A8A8-A7D812C64ED0}" srcOrd="0" destOrd="0" parTransId="{5FA1FA47-7A69-462A-803E-B1C02C6CA9E6}" sibTransId="{E3398327-2910-420C-9A33-804230CFAF0A}"/>
+    <dgm:cxn modelId="{6CA34972-30EB-4B9C-8ED3-21092CB286C4}" type="presOf" srcId="{37F00FEB-AC52-4E31-A6EE-AF281609BFE1}" destId="{4793CCF5-6828-4727-987D-23DF25AFDD38}" srcOrd="0" destOrd="1" presId="urn:microsoft.com/office/officeart/2005/8/layout/vList5"/>
+    <dgm:cxn modelId="{FE7E6195-11AC-474B-8871-45B04BAE63D7}" type="presOf" srcId="{8C66A14B-3B21-4A82-A9AE-EE885EABC898}" destId="{72DAF287-0B3A-475C-B51A-B46C07D6D9EB}" srcOrd="0" destOrd="0" presId="urn:microsoft.com/office/officeart/2005/8/layout/vList5"/>
+    <dgm:cxn modelId="{A446A995-54B0-4029-AC85-AA1F8C56B262}" srcId="{2EA53B0A-DB33-4BA2-9F41-B9733777404E}" destId="{AF6CD789-951B-4E4D-B599-1A996F0F6389}" srcOrd="0" destOrd="0" parTransId="{39E7A7D4-E31F-497C-96AF-85F3F2E5F14B}" sibTransId="{BA9FFDA7-C79C-4C8C-ABD8-CC626DC17CD5}"/>
+    <dgm:cxn modelId="{873E8B99-BC1B-4C28-BB93-F0C918A77F55}" type="presOf" srcId="{5FB427D2-3C46-4A0F-8C6F-49F6FD1D508B}" destId="{7E867920-595A-4EE8-A7A8-E7EDF0FD0568}" srcOrd="0" destOrd="1" presId="urn:microsoft.com/office/officeart/2005/8/layout/vList5"/>
+    <dgm:cxn modelId="{BC8B6A9A-220E-476E-AAB2-B2D549AD0C54}" type="presOf" srcId="{14DF142D-080A-4AAD-B011-0004140BA1D8}" destId="{4793CCF5-6828-4727-987D-23DF25AFDD38}" srcOrd="0" destOrd="2" presId="urn:microsoft.com/office/officeart/2005/8/layout/vList5"/>
+    <dgm:cxn modelId="{6F38D8B7-96D9-43BD-BB41-90A5827D3658}" type="presOf" srcId="{AF6CD789-951B-4E4D-B599-1A996F0F6389}" destId="{DC2B8F37-DA9E-4DC0-8C5D-692058F037AE}" srcOrd="0" destOrd="0" presId="urn:microsoft.com/office/officeart/2005/8/layout/vList5"/>
+    <dgm:cxn modelId="{F93009C4-BF4C-45A9-8A65-E96E9E3E4C21}" type="presOf" srcId="{A209AF3A-4F22-4F8E-A8A8-A7D812C64ED0}" destId="{4793CCF5-6828-4727-987D-23DF25AFDD38}" srcOrd="0" destOrd="0" presId="urn:microsoft.com/office/officeart/2005/8/layout/vList5"/>
+    <dgm:cxn modelId="{4ED20BDC-5EA0-46EA-9009-4BBF45485ED6}" srcId="{8C66A14B-3B21-4A82-A9AE-EE885EABC898}" destId="{14DF142D-080A-4AAD-B011-0004140BA1D8}" srcOrd="2" destOrd="0" parTransId="{828E7BBD-1752-4D44-9500-043BCA4F2CD7}" sibTransId="{C99550AC-45F9-46B7-9B93-21ECEAD7E9F1}"/>
+    <dgm:cxn modelId="{FE37C4E1-5FAC-413F-A0A2-27E4AF96C899}" srcId="{2EA53B0A-DB33-4BA2-9F41-B9733777404E}" destId="{8C66A14B-3B21-4A82-A9AE-EE885EABC898}" srcOrd="1" destOrd="0" parTransId="{318FC13B-3384-4E99-A3E6-307950E245E6}" sibTransId="{46AB171B-E629-4392-B79B-0BF41ADD4BDB}"/>
+    <dgm:cxn modelId="{A6208EE8-7C5A-4329-BC30-053264AC593E}" srcId="{8C66A14B-3B21-4A82-A9AE-EE885EABC898}" destId="{37F00FEB-AC52-4E31-A6EE-AF281609BFE1}" srcOrd="1" destOrd="0" parTransId="{D26E564B-AB1E-461B-9B87-83E61D16D96F}" sibTransId="{1C6388D6-0FA5-4951-9388-47FFFF3C7136}"/>
+    <dgm:cxn modelId="{CE7211EF-95E0-40A7-9B05-B8F3B51E14A2}" type="presOf" srcId="{D1E28F21-17BC-4E56-B84E-03D28E177F33}" destId="{7E867920-595A-4EE8-A7A8-E7EDF0FD0568}" srcOrd="0" destOrd="0" presId="urn:microsoft.com/office/officeart/2005/8/layout/vList5"/>
+    <dgm:cxn modelId="{3410C6F8-35D6-4B2C-AD44-B6E74B3F1D95}" srcId="{AF6CD789-951B-4E4D-B599-1A996F0F6389}" destId="{D1E28F21-17BC-4E56-B84E-03D28E177F33}" srcOrd="0" destOrd="0" parTransId="{5C048FB1-3E8A-43AA-B7DA-0B24A998006E}" sibTransId="{F57D09F8-F8B0-49C8-81A3-A04EFA0C7E98}"/>
+    <dgm:cxn modelId="{4AE55BCC-1349-4FD0-B06D-5E2C091C7CE4}" type="presParOf" srcId="{E78226D7-F8E8-45A1-8917-64282751387C}" destId="{99CC5CAD-3747-4F88-8206-B080774EB18D}" srcOrd="0" destOrd="0" presId="urn:microsoft.com/office/officeart/2005/8/layout/vList5"/>
+    <dgm:cxn modelId="{CCFC3E05-4503-4918-ACF7-B3DCCA911397}" type="presParOf" srcId="{99CC5CAD-3747-4F88-8206-B080774EB18D}" destId="{DC2B8F37-DA9E-4DC0-8C5D-692058F037AE}" srcOrd="0" destOrd="0" presId="urn:microsoft.com/office/officeart/2005/8/layout/vList5"/>
+    <dgm:cxn modelId="{7FF4B3F1-8C33-4434-A099-66B1D0EFF183}" type="presParOf" srcId="{99CC5CAD-3747-4F88-8206-B080774EB18D}" destId="{7E867920-595A-4EE8-A7A8-E7EDF0FD0568}" srcOrd="1" destOrd="0" presId="urn:microsoft.com/office/officeart/2005/8/layout/vList5"/>
+    <dgm:cxn modelId="{DE71664E-EF63-4059-9880-36A62C1D6691}" type="presParOf" srcId="{E78226D7-F8E8-45A1-8917-64282751387C}" destId="{84F02C58-C58D-4DC6-BBFB-D1413F1C37B9}" srcOrd="1" destOrd="0" presId="urn:microsoft.com/office/officeart/2005/8/layout/vList5"/>
+    <dgm:cxn modelId="{6EBA91F7-6747-4221-91F5-5C6E01E91014}" type="presParOf" srcId="{E78226D7-F8E8-45A1-8917-64282751387C}" destId="{BB3E1958-99D9-4CD1-B135-C5DC86CEEA2D}" srcOrd="2" destOrd="0" presId="urn:microsoft.com/office/officeart/2005/8/layout/vList5"/>
+    <dgm:cxn modelId="{40BE4EA0-1BED-4BA0-AB11-905E782D9ABD}" type="presParOf" srcId="{BB3E1958-99D9-4CD1-B135-C5DC86CEEA2D}" destId="{72DAF287-0B3A-475C-B51A-B46C07D6D9EB}" srcOrd="0" destOrd="0" presId="urn:microsoft.com/office/officeart/2005/8/layout/vList5"/>
+    <dgm:cxn modelId="{2D59020E-CD5E-43D1-A1A9-782FF6DAE1EC}" type="presParOf" srcId="{BB3E1958-99D9-4CD1-B135-C5DC86CEEA2D}" destId="{4793CCF5-6828-4727-987D-23DF25AFDD38}" srcOrd="1" destOrd="0" presId="urn:microsoft.com/office/officeart/2005/8/layout/vList5"/>
+  </dgm:cxnLst>
+  <dgm:bg/>
+  <dgm:whole/>
+  <dgm:extLst>
+    <a:ext uri="http://schemas.microsoft.com/office/drawing/2008/diagram">
+      <dsp:dataModelExt xmlns:dsp="http://schemas.microsoft.com/office/drawing/2008/diagram" relId="rId6" minVer="http://schemas.openxmlformats.org/drawingml/2006/diagram"/>
+    </a:ext>
+  </dgm:extLst>
+</dgm:dataModel>
+</file>
+
+<file path=ppt/diagrams/drawing1.xml><?xml version="1.0" encoding="utf-8"?>
+<dsp:drawing xmlns:dgm="http://schemas.openxmlformats.org/drawingml/2006/diagram" xmlns:dsp="http://schemas.microsoft.com/office/drawing/2008/diagram" xmlns:a="http://schemas.openxmlformats.org/drawingml/2006/main">
+  <dsp:spTree>
+    <dsp:nvGrpSpPr>
+      <dsp:cNvPr id="0" name=""/>
+      <dsp:cNvGrpSpPr/>
+    </dsp:nvGrpSpPr>
+    <dsp:grpSpPr/>
+    <dsp:sp modelId="{7E867920-595A-4EE8-A7A8-E7EDF0FD0568}">
+      <dsp:nvSpPr>
+        <dsp:cNvPr id="0" name=""/>
+        <dsp:cNvSpPr/>
+      </dsp:nvSpPr>
+      <dsp:spPr>
+        <a:xfrm rot="5400000">
+          <a:off x="5830023" y="-2198849"/>
+          <a:ext cx="1397585" cy="6144768"/>
+        </a:xfrm>
+        <a:prstGeom prst="round2SameRect">
+          <a:avLst/>
+        </a:prstGeom>
+        <a:solidFill>
+          <a:schemeClr val="accent2">
+            <a:tint val="40000"/>
+            <a:alpha val="90000"/>
+            <a:hueOff val="0"/>
+            <a:satOff val="0"/>
+            <a:lumOff val="0"/>
+            <a:alphaOff val="0"/>
+          </a:schemeClr>
+        </a:solidFill>
+        <a:ln w="34925" cap="flat" cmpd="sng" algn="in">
+          <a:solidFill>
+            <a:schemeClr val="accent2">
+              <a:tint val="40000"/>
+              <a:alpha val="90000"/>
+              <a:hueOff val="0"/>
+              <a:satOff val="0"/>
+              <a:lumOff val="0"/>
+              <a:alphaOff val="0"/>
+            </a:schemeClr>
+          </a:solidFill>
+          <a:prstDash val="solid"/>
+        </a:ln>
+        <a:effectLst/>
+      </dsp:spPr>
+      <dsp:style>
+        <a:lnRef idx="2">
+          <a:scrgbClr r="0" g="0" b="0"/>
+        </a:lnRef>
+        <a:fillRef idx="1">
+          <a:scrgbClr r="0" g="0" b="0"/>
+        </a:fillRef>
+        <a:effectRef idx="0">
+          <a:scrgbClr r="0" g="0" b="0"/>
+        </a:effectRef>
+        <a:fontRef idx="minor"/>
+      </dsp:style>
+      <dsp:txBody>
+        <a:bodyPr spcFirstLastPara="0" vert="horz" wrap="square" lIns="45720" tIns="22860" rIns="45720" bIns="22860" numCol="1" spcCol="1270" anchor="ctr" anchorCtr="0">
+          <a:noAutofit/>
+        </a:bodyPr>
+        <a:lstStyle/>
+        <a:p>
+          <a:pPr marL="114300" lvl="1" indent="-114300" algn="l" defTabSz="533400">
+            <a:lnSpc>
+              <a:spcPct val="90000"/>
+            </a:lnSpc>
+            <a:spcBef>
+              <a:spcPct val="0"/>
+            </a:spcBef>
+            <a:spcAft>
+              <a:spcPct val="15000"/>
+            </a:spcAft>
+            <a:buChar char="•"/>
+          </a:pPr>
+          <a:r>
+            <a:rPr lang="en-US" sz="1200" i="1" kern="1200" baseline="0"/>
+            <a:t>It makes Sense considering that stores wouldn’t want to hold too many units of a product, as keeping too much inventory has opportunity costs and maintenance costs. </a:t>
+          </a:r>
+          <a:endParaRPr lang="en-US" sz="1200" kern="1200"/>
+        </a:p>
+        <a:p>
+          <a:pPr marL="114300" lvl="1" indent="-114300" algn="l" defTabSz="533400">
+            <a:lnSpc>
+              <a:spcPct val="90000"/>
+            </a:lnSpc>
+            <a:spcBef>
+              <a:spcPct val="0"/>
+            </a:spcBef>
+            <a:spcAft>
+              <a:spcPct val="15000"/>
+            </a:spcAft>
+            <a:buChar char="•"/>
+          </a:pPr>
+          <a:r>
+            <a:rPr lang="en-US" sz="1200" i="1" kern="1200" baseline="0"/>
+            <a:t>Interestingly, any product that had more than the median Units in stock actually had zero units on order.</a:t>
+          </a:r>
+          <a:endParaRPr lang="en-US" sz="1200" kern="1200"/>
+        </a:p>
+      </dsp:txBody>
+      <dsp:txXfrm rot="-5400000">
+        <a:off x="3456432" y="242966"/>
+        <a:ext cx="6076544" cy="1261137"/>
+      </dsp:txXfrm>
+    </dsp:sp>
+    <dsp:sp modelId="{DC2B8F37-DA9E-4DC0-8C5D-692058F037AE}">
+      <dsp:nvSpPr>
+        <dsp:cNvPr id="0" name=""/>
+        <dsp:cNvSpPr/>
+      </dsp:nvSpPr>
+      <dsp:spPr>
+        <a:xfrm>
+          <a:off x="0" y="43"/>
+          <a:ext cx="3456432" cy="1746981"/>
+        </a:xfrm>
+        <a:prstGeom prst="roundRect">
+          <a:avLst/>
+        </a:prstGeom>
+        <a:solidFill>
+          <a:schemeClr val="accent2">
+            <a:hueOff val="0"/>
+            <a:satOff val="0"/>
+            <a:lumOff val="0"/>
+            <a:alphaOff val="0"/>
+          </a:schemeClr>
+        </a:solidFill>
+        <a:ln w="19050" cap="flat" cmpd="sng" algn="in">
+          <a:solidFill>
+            <a:schemeClr val="lt1">
+              <a:hueOff val="0"/>
+              <a:satOff val="0"/>
+              <a:lumOff val="0"/>
+              <a:alphaOff val="0"/>
+            </a:schemeClr>
+          </a:solidFill>
+          <a:prstDash val="solid"/>
+        </a:ln>
+        <a:effectLst/>
+      </dsp:spPr>
+      <dsp:style>
+        <a:lnRef idx="3">
+          <a:scrgbClr r="0" g="0" b="0"/>
+        </a:lnRef>
+        <a:fillRef idx="1">
+          <a:scrgbClr r="0" g="0" b="0"/>
+        </a:fillRef>
+        <a:effectRef idx="1">
+          <a:scrgbClr r="0" g="0" b="0"/>
+        </a:effectRef>
+        <a:fontRef idx="minor">
+          <a:schemeClr val="lt1"/>
+        </a:fontRef>
+      </dsp:style>
+      <dsp:txBody>
+        <a:bodyPr spcFirstLastPara="0" vert="horz" wrap="square" lIns="72390" tIns="36195" rIns="72390" bIns="36195" numCol="1" spcCol="1270" anchor="ctr" anchorCtr="0">
+          <a:noAutofit/>
+        </a:bodyPr>
+        <a:lstStyle/>
+        <a:p>
+          <a:pPr marL="0" lvl="0" indent="0" algn="ctr" defTabSz="844550">
+            <a:lnSpc>
+              <a:spcPct val="90000"/>
+            </a:lnSpc>
+            <a:spcBef>
+              <a:spcPct val="0"/>
+            </a:spcBef>
+            <a:spcAft>
+              <a:spcPct val="35000"/>
+            </a:spcAft>
+            <a:buNone/>
+          </a:pPr>
+          <a:r>
+            <a:rPr lang="en-US" sz="1900" kern="1200" baseline="0" dirty="0"/>
+            <a:t>Hypothesis: Units in stock has a statistically significant relationship with Units in order and the more units in stock there are, in general, the fewer units in order there will be.</a:t>
+          </a:r>
+          <a:endParaRPr lang="en-US" sz="1900" kern="1200" dirty="0"/>
+        </a:p>
+      </dsp:txBody>
+      <dsp:txXfrm>
+        <a:off x="85281" y="85324"/>
+        <a:ext cx="3285870" cy="1576419"/>
+      </dsp:txXfrm>
+    </dsp:sp>
+    <dsp:sp modelId="{4793CCF5-6828-4727-987D-23DF25AFDD38}">
+      <dsp:nvSpPr>
+        <dsp:cNvPr id="0" name=""/>
+        <dsp:cNvSpPr/>
+      </dsp:nvSpPr>
+      <dsp:spPr>
+        <a:xfrm rot="5400000">
+          <a:off x="5830023" y="-364518"/>
+          <a:ext cx="1397585" cy="6144768"/>
+        </a:xfrm>
+        <a:prstGeom prst="round2SameRect">
+          <a:avLst/>
+        </a:prstGeom>
+        <a:solidFill>
+          <a:schemeClr val="accent2">
+            <a:tint val="40000"/>
+            <a:alpha val="90000"/>
+            <a:hueOff val="-35823"/>
+            <a:satOff val="-54667"/>
+            <a:lumOff val="-5646"/>
+            <a:alphaOff val="0"/>
+          </a:schemeClr>
+        </a:solidFill>
+        <a:ln w="34925" cap="flat" cmpd="sng" algn="in">
+          <a:solidFill>
+            <a:schemeClr val="accent2">
+              <a:tint val="40000"/>
+              <a:alpha val="90000"/>
+              <a:hueOff val="-35823"/>
+              <a:satOff val="-54667"/>
+              <a:lumOff val="-5646"/>
+              <a:alphaOff val="0"/>
+            </a:schemeClr>
+          </a:solidFill>
+          <a:prstDash val="solid"/>
+        </a:ln>
+        <a:effectLst/>
+      </dsp:spPr>
+      <dsp:style>
+        <a:lnRef idx="2">
+          <a:scrgbClr r="0" g="0" b="0"/>
+        </a:lnRef>
+        <a:fillRef idx="1">
+          <a:scrgbClr r="0" g="0" b="0"/>
+        </a:fillRef>
+        <a:effectRef idx="0">
+          <a:scrgbClr r="0" g="0" b="0"/>
+        </a:effectRef>
+        <a:fontRef idx="minor"/>
+      </dsp:style>
+      <dsp:txBody>
+        <a:bodyPr spcFirstLastPara="0" vert="horz" wrap="square" lIns="45720" tIns="22860" rIns="45720" bIns="22860" numCol="1" spcCol="1270" anchor="ctr" anchorCtr="0">
+          <a:noAutofit/>
+        </a:bodyPr>
+        <a:lstStyle/>
+        <a:p>
+          <a:pPr marL="114300" lvl="1" indent="-114300" algn="l" defTabSz="533400">
+            <a:lnSpc>
+              <a:spcPct val="90000"/>
+            </a:lnSpc>
+            <a:spcBef>
+              <a:spcPct val="0"/>
+            </a:spcBef>
+            <a:spcAft>
+              <a:spcPct val="15000"/>
+            </a:spcAft>
+            <a:buChar char="•"/>
+          </a:pPr>
+          <a:r>
+            <a:rPr lang="en-US" sz="1200" i="1" kern="1200" baseline="0"/>
+            <a:t>With this knowledge, we may be able to create predictive model that helps order exactly how much/many of a product we’d need. </a:t>
+          </a:r>
+          <a:endParaRPr lang="en-US" sz="1200" kern="1200"/>
+        </a:p>
+        <a:p>
+          <a:pPr marL="114300" lvl="1" indent="-114300" algn="l" defTabSz="533400">
+            <a:lnSpc>
+              <a:spcPct val="90000"/>
+            </a:lnSpc>
+            <a:spcBef>
+              <a:spcPct val="0"/>
+            </a:spcBef>
+            <a:spcAft>
+              <a:spcPct val="15000"/>
+            </a:spcAft>
+            <a:buChar char="•"/>
+          </a:pPr>
+          <a:r>
+            <a:rPr lang="en-US" sz="1200" i="1" kern="1200" baseline="0" dirty="0"/>
+            <a:t>We can also simplify our ordering system to automatically take out goods that are above the median level so that they do not get accidentally ordered when not needed. </a:t>
+          </a:r>
+          <a:endParaRPr lang="en-US" sz="1200" kern="1200" dirty="0"/>
+        </a:p>
+        <a:p>
+          <a:pPr marL="114300" lvl="1" indent="-114300" algn="l" defTabSz="533400">
+            <a:lnSpc>
+              <a:spcPct val="90000"/>
+            </a:lnSpc>
+            <a:spcBef>
+              <a:spcPct val="0"/>
+            </a:spcBef>
+            <a:spcAft>
+              <a:spcPct val="15000"/>
+            </a:spcAft>
+            <a:buChar char="•"/>
+          </a:pPr>
+          <a:r>
+            <a:rPr lang="en-US" sz="1200" kern="1200" dirty="0"/>
+            <a:t>We can actually see that when a product has Units In Stock that is greater than the median, it basically has no units being ordered for it. </a:t>
+          </a:r>
+        </a:p>
+      </dsp:txBody>
+      <dsp:txXfrm rot="-5400000">
+        <a:off x="3456432" y="2077297"/>
+        <a:ext cx="6076544" cy="1261137"/>
+      </dsp:txXfrm>
+    </dsp:sp>
+    <dsp:sp modelId="{72DAF287-0B3A-475C-B51A-B46C07D6D9EB}">
+      <dsp:nvSpPr>
+        <dsp:cNvPr id="0" name=""/>
+        <dsp:cNvSpPr/>
+      </dsp:nvSpPr>
+      <dsp:spPr>
+        <a:xfrm>
+          <a:off x="0" y="1834374"/>
+          <a:ext cx="3456432" cy="1746981"/>
+        </a:xfrm>
+        <a:prstGeom prst="roundRect">
+          <a:avLst/>
+        </a:prstGeom>
+        <a:solidFill>
+          <a:schemeClr val="accent2">
+            <a:hueOff val="-165654"/>
+            <a:satOff val="-54335"/>
+            <a:lumOff val="-19803"/>
+            <a:alphaOff val="0"/>
+          </a:schemeClr>
+        </a:solidFill>
+        <a:ln w="19050" cap="flat" cmpd="sng" algn="in">
+          <a:solidFill>
+            <a:schemeClr val="lt1">
+              <a:hueOff val="0"/>
+              <a:satOff val="0"/>
+              <a:lumOff val="0"/>
+              <a:alphaOff val="0"/>
+            </a:schemeClr>
+          </a:solidFill>
+          <a:prstDash val="solid"/>
+        </a:ln>
+        <a:effectLst/>
+      </dsp:spPr>
+      <dsp:style>
+        <a:lnRef idx="3">
+          <a:scrgbClr r="0" g="0" b="0"/>
+        </a:lnRef>
+        <a:fillRef idx="1">
+          <a:scrgbClr r="0" g="0" b="0"/>
+        </a:fillRef>
+        <a:effectRef idx="1">
+          <a:scrgbClr r="0" g="0" b="0"/>
+        </a:effectRef>
+        <a:fontRef idx="minor">
+          <a:schemeClr val="lt1"/>
+        </a:fontRef>
+      </dsp:style>
+      <dsp:txBody>
+        <a:bodyPr spcFirstLastPara="0" vert="horz" wrap="square" lIns="72390" tIns="36195" rIns="72390" bIns="36195" numCol="1" spcCol="1270" anchor="ctr" anchorCtr="0">
+          <a:noAutofit/>
+        </a:bodyPr>
+        <a:lstStyle/>
+        <a:p>
+          <a:pPr marL="0" lvl="0" indent="0" algn="ctr" defTabSz="844550">
+            <a:lnSpc>
+              <a:spcPct val="90000"/>
+            </a:lnSpc>
+            <a:spcBef>
+              <a:spcPct val="0"/>
+            </a:spcBef>
+            <a:spcAft>
+              <a:spcPct val="35000"/>
+            </a:spcAft>
+            <a:buNone/>
+          </a:pPr>
+          <a:r>
+            <a:rPr lang="en-US" sz="1900" kern="1200" baseline="0" dirty="0"/>
+            <a:t>Finding: Units in stock does have a statistically significant impact on units on order. </a:t>
+          </a:r>
+          <a:endParaRPr lang="en-US" sz="1900" kern="1200" dirty="0"/>
+        </a:p>
+      </dsp:txBody>
+      <dsp:txXfrm>
+        <a:off x="85281" y="1919655"/>
+        <a:ext cx="3285870" cy="1576419"/>
+      </dsp:txXfrm>
+    </dsp:sp>
+  </dsp:spTree>
+</dsp:drawing>
+</file>
+
+<file path=ppt/diagrams/layout1.xml><?xml version="1.0" encoding="utf-8"?>
+<dgm:layoutDef xmlns:dgm="http://schemas.openxmlformats.org/drawingml/2006/diagram" xmlns:a="http://schemas.openxmlformats.org/drawingml/2006/main" uniqueId="urn:microsoft.com/office/officeart/2005/8/layout/vList5">
+  <dgm:title val=""/>
+  <dgm:desc val=""/>
+  <dgm:catLst>
+    <dgm:cat type="list" pri="15000"/>
+    <dgm:cat type="convert" pri="2000"/>
+  </dgm:catLst>
+  <dgm:sampData>
+    <dgm:dataModel>
+      <dgm:ptLst>
+        <dgm:pt modelId="0" type="doc"/>
+        <dgm:pt modelId="1">
+          <dgm:prSet phldr="1"/>
+        </dgm:pt>
+        <dgm:pt modelId="11">
+          <dgm:prSet phldr="1"/>
+        </dgm:pt>
+        <dgm:pt modelId="12">
+          <dgm:prSet phldr="1"/>
+        </dgm:pt>
+        <dgm:pt modelId="2">
+          <dgm:prSet phldr="1"/>
+        </dgm:pt>
+        <dgm:pt modelId="21">
+          <dgm:prSet phldr="1"/>
+        </dgm:pt>
+        <dgm:pt modelId="22">
+          <dgm:prSet phldr="1"/>
+        </dgm:pt>
+        <dgm:pt modelId="3">
+          <dgm:prSet phldr="1"/>
+        </dgm:pt>
+        <dgm:pt modelId="31">
+          <dgm:prSet phldr="1"/>
+        </dgm:pt>
+        <dgm:pt modelId="32">
+          <dgm:prSet phldr="1"/>
+        </dgm:pt>
+      </dgm:ptLst>
+      <dgm:cxnLst>
+        <dgm:cxn modelId="4" srcId="0" destId="1" srcOrd="0" destOrd="0"/>
+        <dgm:cxn modelId="5" srcId="0" destId="2" srcOrd="1" destOrd="0"/>
+        <dgm:cxn modelId="6" srcId="0" destId="3" srcOrd="2" destOrd="0"/>
+        <dgm:cxn modelId="13" srcId="1" destId="11" srcOrd="0" destOrd="0"/>
+        <dgm:cxn modelId="14" srcId="1" destId="12" srcOrd="1" destOrd="0"/>
+        <dgm:cxn modelId="23" srcId="2" destId="21" srcOrd="0" destOrd="0"/>
+        <dgm:cxn modelId="24" srcId="2" destId="22" srcOrd="1" destOrd="0"/>
+        <dgm:cxn modelId="33" srcId="3" destId="31" srcOrd="0" destOrd="0"/>
+        <dgm:cxn modelId="34" srcId="3" destId="32" srcOrd="1" destOrd="0"/>
+      </dgm:cxnLst>
+      <dgm:bg/>
+      <dgm:whole/>
+    </dgm:dataModel>
+  </dgm:sampData>
+  <dgm:styleData>
+    <dgm:dataModel>
+      <dgm:ptLst>
+        <dgm:pt modelId="0" type="doc"/>
+        <dgm:pt modelId="1"/>
+        <dgm:pt modelId="11"/>
+        <dgm:pt modelId="2"/>
+        <dgm:pt modelId="21"/>
+      </dgm:ptLst>
+      <dgm:cxnLst>
+        <dgm:cxn modelId="4" srcId="0" destId="1" srcOrd="0" destOrd="0"/>
+        <dgm:cxn modelId="5" srcId="0" destId="2" srcOrd="1" destOrd="0"/>
+        <dgm:cxn modelId="13" srcId="1" destId="11" srcOrd="0" destOrd="0"/>
+        <dgm:cxn modelId="23" srcId="2" destId="21" srcOrd="0" destOrd="0"/>
+      </dgm:cxnLst>
+      <dgm:bg/>
+      <dgm:whole/>
+    </dgm:dataModel>
+  </dgm:styleData>
+  <dgm:clrData>
+    <dgm:dataModel>
+      <dgm:ptLst>
+        <dgm:pt modelId="0" type="doc"/>
+        <dgm:pt modelId="1"/>
+        <dgm:pt modelId="11"/>
+        <dgm:pt modelId="2"/>
+        <dgm:pt modelId="21"/>
+        <dgm:pt modelId="3"/>
+        <dgm:pt modelId="31"/>
+        <dgm:pt modelId="4"/>
+        <dgm:pt modelId="41"/>
+      </dgm:ptLst>
+      <dgm:cxnLst>
+        <dgm:cxn modelId="5" srcId="0" destId="1" srcOrd="0" destOrd="0"/>
+        <dgm:cxn modelId="6" srcId="0" destId="2" srcOrd="1" destOrd="0"/>
+        <dgm:cxn modelId="7" srcId="0" destId="3" srcOrd="2" destOrd="0"/>
+        <dgm:cxn modelId="8" srcId="0" destId="4" srcOrd="3" destOrd="0"/>
+        <dgm:cxn modelId="13" srcId="1" destId="11" srcOrd="0" destOrd="0"/>
+        <dgm:cxn modelId="23" srcId="2" destId="21" srcOrd="0" destOrd="0"/>
+        <dgm:cxn modelId="33" srcId="3" destId="31" srcOrd="0" destOrd="0"/>
+        <dgm:cxn modelId="43" srcId="4" destId="41" srcOrd="0" destOrd="0"/>
+      </dgm:cxnLst>
+      <dgm:bg/>
+      <dgm:whole/>
+    </dgm:dataModel>
+  </dgm:clrData>
+  <dgm:layoutNode name="Name0">
+    <dgm:varLst>
+      <dgm:dir/>
+      <dgm:animLvl val="lvl"/>
+      <dgm:resizeHandles val="exact"/>
+    </dgm:varLst>
+    <dgm:choose name="Name1">
+      <dgm:if name="Name2" func="var" arg="dir" op="equ" val="norm">
+        <dgm:alg type="lin">
+          <dgm:param type="linDir" val="fromT"/>
+          <dgm:param type="nodeHorzAlign" val="l"/>
+        </dgm:alg>
+      </dgm:if>
+      <dgm:else name="Name3">
+        <dgm:alg type="lin">
+          <dgm:param type="linDir" val="fromT"/>
+          <dgm:param type="nodeHorzAlign" val="r"/>
+        </dgm:alg>
+      </dgm:else>
+    </dgm:choose>
+    <dgm:shape xmlns:r="http://schemas.openxmlformats.org/officeDocument/2006/relationships" r:blip="">
+      <dgm:adjLst/>
+    </dgm:shape>
+    <dgm:presOf/>
+    <dgm:constrLst>
+      <dgm:constr type="h" for="ch" forName="linNode" refType="h"/>
+      <dgm:constr type="w" for="ch" forName="linNode" refType="w"/>
+      <dgm:constr type="h" for="ch" forName="sp" refType="h" fact="0.05"/>
+      <dgm:constr type="primFontSz" for="des" forName="parentText" op="equ" val="65"/>
+      <dgm:constr type="secFontSz" for="des" forName="descendantText" op="equ"/>
+    </dgm:constrLst>
+    <dgm:ruleLst/>
+    <dgm:forEach name="Name4" axis="ch" ptType="node">
+      <dgm:layoutNode name="linNode">
+        <dgm:choose name="Name5">
+          <dgm:if name="Name6" func="var" arg="dir" op="equ" val="norm">
+            <dgm:alg type="lin">
+              <dgm:param type="linDir" val="fromL"/>
+            </dgm:alg>
+          </dgm:if>
+          <dgm:else name="Name7">
+            <dgm:alg type="lin">
+              <dgm:param type="linDir" val="fromR"/>
+            </dgm:alg>
+          </dgm:else>
+        </dgm:choose>
+        <dgm:shape xmlns:r="http://schemas.openxmlformats.org/officeDocument/2006/relationships" r:blip="">
+          <dgm:adjLst/>
+        </dgm:shape>
+        <dgm:presOf/>
+        <dgm:constrLst>
+          <dgm:constr type="w" for="ch" forName="parentText" refType="w" fact="0.36"/>
+          <dgm:constr type="w" for="ch" forName="descendantText" refType="w" fact="0.64"/>
+          <dgm:constr type="h" for="ch" forName="parentText" refType="h"/>
+          <dgm:constr type="h" for="ch" forName="descendantText" refType="h" refFor="ch" refForName="parentText" fact="0.8"/>
+        </dgm:constrLst>
+        <dgm:ruleLst/>
+        <dgm:layoutNode name="parentText">
+          <dgm:varLst>
+            <dgm:chMax val="1"/>
+            <dgm:bulletEnabled val="1"/>
+          </dgm:varLst>
+          <dgm:alg type="tx"/>
+          <dgm:shape xmlns:r="http://schemas.openxmlformats.org/officeDocument/2006/relationships" type="roundRect" r:blip="" zOrderOff="3">
+            <dgm:adjLst/>
+          </dgm:shape>
+          <dgm:presOf axis="self" ptType="node"/>
+          <dgm:constrLst>
+            <dgm:constr type="tMarg" refType="primFontSz" fact="0.15"/>
+            <dgm:constr type="bMarg" refType="primFontSz" fact="0.15"/>
+            <dgm:constr type="lMarg" refType="primFontSz" fact="0.3"/>
+            <dgm:constr type="rMarg" refType="primFontSz" fact="0.3"/>
+          </dgm:constrLst>
+          <dgm:ruleLst>
+            <dgm:rule type="primFontSz" val="5" fact="NaN" max="NaN"/>
+          </dgm:ruleLst>
+        </dgm:layoutNode>
+        <dgm:choose name="Name8">
+          <dgm:if name="Name9" axis="ch" ptType="node" func="cnt" op="gte" val="1">
+            <dgm:layoutNode name="descendantText" styleLbl="alignAccFollowNode1">
+              <dgm:varLst>
+                <dgm:bulletEnabled val="1"/>
+              </dgm:varLst>
+              <dgm:alg type="tx">
+                <dgm:param type="stBulletLvl" val="1"/>
+                <dgm:param type="txAnchorVertCh" val="mid"/>
+              </dgm:alg>
+              <dgm:choose name="Name10">
+                <dgm:if name="Name11" func="var" arg="dir" op="equ" val="norm">
+                  <dgm:shape xmlns:r="http://schemas.openxmlformats.org/officeDocument/2006/relationships" rot="90" type="round2SameRect" r:blip="">
+                    <dgm:adjLst/>
+                  </dgm:shape>
+                </dgm:if>
+                <dgm:else name="Name12">
+                  <dgm:shape xmlns:r="http://schemas.openxmlformats.org/officeDocument/2006/relationships" rot="-90" type="round2SameRect" r:blip="">
+                    <dgm:adjLst/>
+                  </dgm:shape>
+                </dgm:else>
+              </dgm:choose>
+              <dgm:presOf axis="des" ptType="node"/>
+              <dgm:constrLst>
+                <dgm:constr type="secFontSz" val="65"/>
+                <dgm:constr type="primFontSz" refType="secFontSz"/>
+                <dgm:constr type="lMarg" refType="secFontSz" fact="0.3"/>
+                <dgm:constr type="rMarg" refType="secFontSz" fact="0.3"/>
+                <dgm:constr type="tMarg" refType="secFontSz" fact="0.15"/>
+                <dgm:constr type="bMarg" refType="secFontSz" fact="0.15"/>
+              </dgm:constrLst>
+              <dgm:ruleLst>
+                <dgm:rule type="secFontSz" val="5" fact="NaN" max="NaN"/>
+              </dgm:ruleLst>
+            </dgm:layoutNode>
+          </dgm:if>
+          <dgm:else name="Name13"/>
+        </dgm:choose>
+      </dgm:layoutNode>
+      <dgm:forEach name="Name14" axis="followSib" ptType="sibTrans" cnt="1">
+        <dgm:layoutNode name="sp">
+          <dgm:alg type="sp"/>
+          <dgm:shape xmlns:r="http://schemas.openxmlformats.org/officeDocument/2006/relationships" r:blip="">
+            <dgm:adjLst/>
+          </dgm:shape>
+          <dgm:presOf/>
+          <dgm:constrLst/>
+          <dgm:ruleLst/>
+        </dgm:layoutNode>
+      </dgm:forEach>
+    </dgm:forEach>
+  </dgm:layoutNode>
+</dgm:layoutDef>
+</file>
+
+<file path=ppt/diagrams/quickStyle1.xml><?xml version="1.0" encoding="utf-8"?>
+<dgm:styleDef xmlns:dgm="http://schemas.openxmlformats.org/drawingml/2006/diagram" xmlns:a="http://schemas.openxmlformats.org/drawingml/2006/main" uniqueId="urn:microsoft.com/office/officeart/2005/8/quickstyle/simple2">
+  <dgm:title val=""/>
+  <dgm:desc val=""/>
+  <dgm:catLst>
+    <dgm:cat type="simple" pri="10200"/>
+  </dgm:catLst>
+  <dgm:scene3d>
+    <a:camera prst="orthographicFront"/>
+    <a:lightRig rig="threePt" dir="t"/>
+  </dgm:scene3d>
+  <dgm:styleLbl name="node0">
+    <dgm:scene3d>
+      <a:camera prst="orthographicFront"/>
+      <a:lightRig rig="threePt" dir="t"/>
+    </dgm:scene3d>
+    <dgm:sp3d/>
+    <dgm:txPr/>
+    <dgm:style>
+      <a:lnRef idx="3">
+        <a:scrgbClr r="0" g="0" b="0"/>
+      </a:lnRef>
+      <a:fillRef idx="1">
+        <a:scrgbClr r="0" g="0" b="0"/>
+      </a:fillRef>
+      <a:effectRef idx="1">
+        <a:scrgbClr r="0" g="0" b="0"/>
+      </a:effectRef>
+      <a:fontRef idx="minor">
+        <a:schemeClr val="lt1"/>
+      </a:fontRef>
+    </dgm:style>
+  </dgm:styleLbl>
+  <dgm:styleLbl name="lnNode1">
+    <dgm:scene3d>
+      <a:camera prst="orthographicFront"/>
+      <a:lightRig rig="threePt" dir="t"/>
+    </dgm:scene3d>
+    <dgm:sp3d/>
+    <dgm:txPr/>
+    <dgm:style>
+      <a:lnRef idx="3">
+        <a:scrgbClr r="0" g="0" b="0"/>
+      </a:lnRef>
+      <a:fillRef idx="1">
+        <a:scrgbClr r="0" g="0" b="0"/>
+      </a:fillRef>
+      <a:effectRef idx="1">
+        <a:scrgbClr r="0" g="0" b="0"/>
+      </a:effectRef>
+      <a:fontRef idx="minor">
+        <a:schemeClr val="lt1"/>
+      </a:fontRef>
+    </dgm:style>
+  </dgm:styleLbl>
+  <dgm:styleLbl name="vennNode1">
+    <dgm:scene3d>
+      <a:camera prst="orthographicFront"/>
+      <a:lightRig rig="threePt" dir="t"/>
+    </dgm:scene3d>
+    <dgm:sp3d/>
+    <dgm:txPr/>
+    <dgm:style>
+      <a:lnRef idx="3">
+        <a:scrgbClr r="0" g="0" b="0"/>
+      </a:lnRef>
+      <a:fillRef idx="1">
+        <a:scrgbClr r="0" g="0" b="0"/>
+      </a:fillRef>
+      <a:effectRef idx="0">
+        <a:scrgbClr r="0" g="0" b="0"/>
+      </a:effectRef>
+      <a:fontRef idx="minor">
+        <a:schemeClr val="tx1"/>
+      </a:fontRef>
+    </dgm:style>
+  </dgm:styleLbl>
+  <dgm:styleLbl name="alignNode1">
+    <dgm:scene3d>
+      <a:camera prst="orthographicFront"/>
+      <a:lightRig rig="threePt" dir="t"/>
+    </dgm:scene3d>
+    <dgm:sp3d/>
+    <dgm:txPr/>
+    <dgm:style>
+      <a:lnRef idx="2">
+        <a:scrgbClr r="0" g="0" b="0"/>
+      </a:lnRef>
+      <a:fillRef idx="1">
+        <a:scrgbClr r="0" g="0" b="0"/>
+      </a:fillRef>
+      <a:effectRef idx="1">
+        <a:scrgbClr r="0" g="0" b="0"/>
+      </a:effectRef>
+      <a:fontRef idx="minor">
+        <a:schemeClr val="lt1"/>
+      </a:fontRef>
+    </dgm:style>
+  </dgm:styleLbl>
+  <dgm:styleLbl name="node1">
+    <dgm:scene3d>
+      <a:camera prst="orthographicFront"/>
+      <a:lightRig rig="threePt" dir="t"/>
+    </dgm:scene3d>
+    <dgm:sp3d/>
+    <dgm:txPr/>
+    <dgm:style>
+      <a:lnRef idx="3">
+        <a:scrgbClr r="0" g="0" b="0"/>
+      </a:lnRef>
+      <a:fillRef idx="1">
+        <a:scrgbClr r="0" g="0" b="0"/>
+      </a:fillRef>
+      <a:effectRef idx="1">
+        <a:scrgbClr r="0" g="0" b="0"/>
+      </a:effectRef>
+      <a:fontRef idx="minor">
+        <a:schemeClr val="lt1"/>
+      </a:fontRef>
+    </dgm:style>
+  </dgm:styleLbl>
+  <dgm:styleLbl name="node2">
+    <dgm:scene3d>
+      <a:camera prst="orthographicFront"/>
+      <a:lightRig rig="threePt" dir="t"/>
+    </dgm:scene3d>
+    <dgm:sp3d/>
+    <dgm:txPr/>
+    <dgm:style>
+      <a:lnRef idx="3">
+        <a:scrgbClr r="0" g="0" b="0"/>
+      </a:lnRef>
+      <a:fillRef idx="1">
+        <a:scrgbClr r="0" g="0" b="0"/>
+      </a:fillRef>
+      <a:effectRef idx="1">
+        <a:scrgbClr r="0" g="0" b="0"/>
+      </a:effectRef>
+      <a:fontRef idx="minor">
+        <a:schemeClr val="lt1"/>
+      </a:fontRef>
+    </dgm:style>
+  </dgm:styleLbl>
+  <dgm:styleLbl name="node3">
+    <dgm:scene3d>
+      <a:camera prst="orthographicFront"/>
+      <a:lightRig rig="threePt" dir="t"/>
+    </dgm:scene3d>
+    <dgm:sp3d/>
+    <dgm:txPr/>
+    <dgm:style>
+      <a:lnRef idx="3">
+        <a:scrgbClr r="0" g="0" b="0"/>
+      </a:lnRef>
+      <a:fillRef idx="1">
+        <a:scrgbClr r="0" g="0" b="0"/>
+      </a:fillRef>
+      <a:effectRef idx="1">
+        <a:scrgbClr r="0" g="0" b="0"/>
+      </a:effectRef>
+      <a:fontRef idx="minor">
+        <a:schemeClr val="lt1"/>
+      </a:fontRef>
+    </dgm:style>
+  </dgm:styleLbl>
+  <dgm:styleLbl name="node4">
+    <dgm:scene3d>
+      <a:camera prst="orthographicFront"/>
+      <a:lightRig rig="threePt" dir="t"/>
+    </dgm:scene3d>
+    <dgm:sp3d/>
+    <dgm:txPr/>
+    <dgm:style>
+      <a:lnRef idx="3">
+        <a:scrgbClr r="0" g="0" b="0"/>
+      </a:lnRef>
+      <a:fillRef idx="1">
+        <a:scrgbClr r="0" g="0" b="0"/>
+      </a:fillRef>
+      <a:effectRef idx="1">
+        <a:scrgbClr r="0" g="0" b="0"/>
+      </a:effectRef>
+      <a:fontRef idx="minor">
+        <a:schemeClr val="lt1"/>
+      </a:fontRef>
+    </dgm:style>
+  </dgm:styleLbl>
+  <dgm:styleLbl name="fgImgPlace1">
+    <dgm:scene3d>
+      <a:camera prst="orthographicFront"/>
+      <a:lightRig rig="threePt" dir="t"/>
+    </dgm:scene3d>
+    <dgm:sp3d/>
+    <dgm:txPr/>
+    <dgm:style>
+      <a:lnRef idx="3">
+        <a:scrgbClr r="0" g="0" b="0"/>
+      </a:lnRef>
+      <a:fillRef idx="1">
+        <a:scrgbClr r="0" g="0" b="0"/>
+      </a:fillRef>
+      <a:effectRef idx="1">
+        <a:scrgbClr r="0" g="0" b="0"/>
+      </a:effectRef>
+      <a:fontRef idx="minor"/>
+    </dgm:style>
+  </dgm:styleLbl>
+  <dgm:styleLbl name="alignImgPlace1">
+    <dgm:scene3d>
+      <a:camera prst="orthographicFront"/>
+      <a:lightRig rig="threePt" dir="t"/>
+    </dgm:scene3d>
+    <dgm:sp3d/>
+    <dgm:txPr/>
+    <dgm:style>
+      <a:lnRef idx="3">
+        <a:scrgbClr r="0" g="0" b="0"/>
+      </a:lnRef>
+      <a:fillRef idx="1">
+        <a:scrgbClr r="0" g="0" b="0"/>
+      </a:fillRef>
+      <a:effectRef idx="1">
+        <a:scrgbClr r="0" g="0" b="0"/>
+      </a:effectRef>
+      <a:fontRef idx="minor"/>
+    </dgm:style>
+  </dgm:styleLbl>
+  <dgm:styleLbl name="bgImgPlace1">
+    <dgm:scene3d>
+      <a:camera prst="orthographicFront"/>
+      <a:lightRig rig="threePt" dir="t"/>
+    </dgm:scene3d>
+    <dgm:sp3d/>
+    <dgm:txPr/>
+    <dgm:style>
+      <a:lnRef idx="3">
+        <a:scrgbClr r="0" g="0" b="0"/>
+      </a:lnRef>
+      <a:fillRef idx="1">
+        <a:scrgbClr r="0" g="0" b="0"/>
+      </a:fillRef>
+      <a:effectRef idx="1">
+        <a:scrgbClr r="0" g="0" b="0"/>
+      </a:effectRef>
+      <a:fontRef idx="minor"/>
+    </dgm:style>
+  </dgm:styleLbl>
+  <dgm:styleLbl name="sibTrans2D1">
+    <dgm:scene3d>
+      <a:camera prst="orthographicFront"/>
+      <a:lightRig rig="threePt" dir="t"/>
+    </dgm:scene3d>
+    <dgm:sp3d/>
+    <dgm:txPr/>
+    <dgm:style>
+      <a:lnRef idx="0">
+        <a:scrgbClr r="0" g="0" b="0"/>
+      </a:lnRef>
+      <a:fillRef idx="1">
+        <a:scrgbClr r="0" g="0" b="0"/>
+      </a:fillRef>
+      <a:effectRef idx="1">
+        <a:scrgbClr r="0" g="0" b="0"/>
+      </a:effectRef>
+      <a:fontRef idx="minor">
+        <a:schemeClr val="lt1"/>
+      </a:fontRef>
+    </dgm:style>
+  </dgm:styleLbl>
+  <dgm:styleLbl name="fgSibTrans2D1">
+    <dgm:scene3d>
+      <a:camera prst="orthographicFront"/>
+      <a:lightRig rig="threePt" dir="t"/>
+    </dgm:scene3d>
+    <dgm:sp3d/>
+    <dgm:txPr/>
+    <dgm:style>
+      <a:lnRef idx="0">
+        <a:scrgbClr r="0" g="0" b="0"/>
+      </a:lnRef>
+      <a:fillRef idx="1">
+        <a:scrgbClr r="0" g="0" b="0"/>
+      </a:fillRef>
+      <a:effectRef idx="1">
+        <a:scrgbClr r="0" g="0" b="0"/>
+      </a:effectRef>
+      <a:fontRef idx="minor">
+        <a:schemeClr val="lt1"/>
+      </a:fontRef>
+    </dgm:style>
+  </dgm:styleLbl>
+  <dgm:styleLbl name="bgSibTrans2D1">
+    <dgm:scene3d>
+      <a:camera prst="orthographicFront"/>
+      <a:lightRig rig="threePt" dir="t"/>
+    </dgm:scene3d>
+    <dgm:sp3d/>
+    <dgm:txPr/>
+    <dgm:style>
+      <a:lnRef idx="0">
+        <a:scrgbClr r="0" g="0" b="0"/>
+      </a:lnRef>
+      <a:fillRef idx="1">
+        <a:scrgbClr r="0" g="0" b="0"/>
+      </a:fillRef>
+      <a:effectRef idx="1">
+        <a:scrgbClr r="0" g="0" b="0"/>
+      </a:effectRef>
+      <a:fontRef idx="minor">
+        <a:schemeClr val="lt1"/>
+      </a:fontRef>
+    </dgm:style>
+  </dgm:styleLbl>
+  <dgm:styleLbl name="sibTrans1D1">
+    <dgm:scene3d>
+      <a:camera prst="orthographicFront"/>
+      <a:lightRig rig="threePt" dir="t"/>
+    </dgm:scene3d>
+    <dgm:sp3d/>
+    <dgm:txPr/>
+    <dgm:style>
+      <a:lnRef idx="1">
+        <a:scrgbClr r="0" g="0" b="0"/>
+      </a:lnRef>
+      <a:fillRef idx="0">
+        <a:scrgbClr r="0" g="0" b="0"/>
+      </a:fillRef>
+      <a:effectRef idx="0">
+        <a:scrgbClr r="0" g="0" b="0"/>
+      </a:effectRef>
+      <a:fontRef idx="minor"/>
+    </dgm:style>
+  </dgm:styleLbl>
+  <dgm:styleLbl name="callout">
+    <dgm:scene3d>
+      <a:camera prst="orthographicFront"/>
+      <a:lightRig rig="threePt" dir="t"/>
+    </dgm:scene3d>
+    <dgm:sp3d/>
+    <dgm:txPr/>
+    <dgm:style>
+      <a:lnRef idx="2">
+        <a:scrgbClr r="0" g="0" b="0"/>
+      </a:lnRef>
+      <a:fillRef idx="1">
+        <a:scrgbClr r="0" g="0" b="0"/>
+      </a:fillRef>
+      <a:effectRef idx="1">
+        <a:scrgbClr r="0" g="0" b="0"/>
+      </a:effectRef>
+      <a:fontRef idx="minor"/>
+    </dgm:style>
+  </dgm:styleLbl>
+  <dgm:styleLbl name="asst0">
+    <dgm:scene3d>
+      <a:camera prst="orthographicFront"/>
+      <a:lightRig rig="threePt" dir="t"/>
+    </dgm:scene3d>
+    <dgm:sp3d/>
+    <dgm:txPr/>
+    <dgm:style>
+      <a:lnRef idx="3">
+        <a:scrgbClr r="0" g="0" b="0"/>
+      </a:lnRef>
+      <a:fillRef idx="1">
+        <a:scrgbClr r="0" g="0" b="0"/>
+      </a:fillRef>
+      <a:effectRef idx="1">
+        <a:scrgbClr r="0" g="0" b="0"/>
+      </a:effectRef>
+      <a:fontRef idx="minor">
+        <a:schemeClr val="lt1"/>
+      </a:fontRef>
+    </dgm:style>
+  </dgm:styleLbl>
+  <dgm:styleLbl name="asst1">
+    <dgm:scene3d>
+      <a:camera prst="orthographicFront"/>
+      <a:lightRig rig="threePt" dir="t"/>
+    </dgm:scene3d>
+    <dgm:sp3d/>
+    <dgm:txPr/>
+    <dgm:style>
+      <a:lnRef idx="3">
+        <a:scrgbClr r="0" g="0" b="0"/>
+      </a:lnRef>
+      <a:fillRef idx="1">
+        <a:scrgbClr r="0" g="0" b="0"/>
+      </a:fillRef>
+      <a:effectRef idx="1">
+        <a:scrgbClr r="0" g="0" b="0"/>
+      </a:effectRef>
+      <a:fontRef idx="minor">
+        <a:schemeClr val="lt1"/>
+      </a:fontRef>
+    </dgm:style>
+  </dgm:styleLbl>
+  <dgm:styleLbl name="asst2">
+    <dgm:scene3d>
+      <a:camera prst="orthographicFront"/>
+      <a:lightRig rig="threePt" dir="t"/>
+    </dgm:scene3d>
+    <dgm:sp3d/>
+    <dgm:txPr/>
+    <dgm:style>
+      <a:lnRef idx="3">
+        <a:scrgbClr r="0" g="0" b="0"/>
+      </a:lnRef>
+      <a:fillRef idx="1">
+        <a:scrgbClr r="0" g="0" b="0"/>
+      </a:fillRef>
+      <a:effectRef idx="1">
+        <a:scrgbClr r="0" g="0" b="0"/>
+      </a:effectRef>
+      <a:fontRef idx="minor">
+        <a:schemeClr val="lt1"/>
+      </a:fontRef>
+    </dgm:style>
+  </dgm:styleLbl>
+  <dgm:styleLbl name="asst3">
+    <dgm:scene3d>
+      <a:camera prst="orthographicFront"/>
+      <a:lightRig rig="threePt" dir="t"/>
+    </dgm:scene3d>
+    <dgm:sp3d/>
+    <dgm:txPr/>
+    <dgm:style>
+      <a:lnRef idx="3">
+        <a:scrgbClr r="0" g="0" b="0"/>
+      </a:lnRef>
+      <a:fillRef idx="1">
+        <a:scrgbClr r="0" g="0" b="0"/>
+      </a:fillRef>
+      <a:effectRef idx="1">
+        <a:scrgbClr r="0" g="0" b="0"/>
+      </a:effectRef>
+      <a:fontRef idx="minor">
+        <a:schemeClr val="lt1"/>
+      </a:fontRef>
+    </dgm:style>
+  </dgm:styleLbl>
+  <dgm:styleLbl name="asst4">
+    <dgm:scene3d>
+      <a:camera prst="orthographicFront"/>
+      <a:lightRig rig="threePt" dir="t"/>
+    </dgm:scene3d>
+    <dgm:sp3d/>
+    <dgm:txPr/>
+    <dgm:style>
+      <a:lnRef idx="3">
+        <a:scrgbClr r="0" g="0" b="0"/>
+      </a:lnRef>
+      <a:fillRef idx="1">
+        <a:scrgbClr r="0" g="0" b="0"/>
+      </a:fillRef>
+      <a:effectRef idx="1">
+        <a:scrgbClr r="0" g="0" b="0"/>
+      </a:effectRef>
+      <a:fontRef idx="minor">
+        <a:schemeClr val="lt1"/>
+      </a:fontRef>
+    </dgm:style>
+  </dgm:styleLbl>
+  <dgm:styleLbl name="parChTrans2D1">
+    <dgm:scene3d>
+      <a:camera prst="orthographicFront"/>
+      <a:lightRig rig="threePt" dir="t"/>
+    </dgm:scene3d>
+    <dgm:sp3d/>
+    <dgm:txPr/>
+    <dgm:style>
+      <a:lnRef idx="3">
+        <a:scrgbClr r="0" g="0" b="0"/>
+      </a:lnRef>
+      <a:fillRef idx="1">
+        <a:scrgbClr r="0" g="0" b="0"/>
+      </a:fillRef>
+      <a:effectRef idx="1">
+        <a:scrgbClr r="0" g="0" b="0"/>
+      </a:effectRef>
+      <a:fontRef idx="minor">
+        <a:schemeClr val="lt1"/>
+      </a:fontRef>
+    </dgm:style>
+  </dgm:styleLbl>
+  <dgm:styleLbl name="parChTrans2D2">
+    <dgm:scene3d>
+      <a:camera prst="orthographicFront"/>
+      <a:lightRig rig="threePt" dir="t"/>
+    </dgm:scene3d>
+    <dgm:sp3d/>
+    <dgm:txPr/>
+    <dgm:style>
+      <a:lnRef idx="3">
+        <a:scrgbClr r="0" g="0" b="0"/>
+      </a:lnRef>
+      <a:fillRef idx="1">
+        <a:scrgbClr r="0" g="0" b="0"/>
+      </a:fillRef>
+      <a:effectRef idx="1">
+        <a:scrgbClr r="0" g="0" b="0"/>
+      </a:effectRef>
+      <a:fontRef idx="minor">
+        <a:schemeClr val="lt1"/>
+      </a:fontRef>
+    </dgm:style>
+  </dgm:styleLbl>
+  <dgm:styleLbl name="parChTrans2D3">
+    <dgm:scene3d>
+      <a:camera prst="orthographicFront"/>
+      <a:lightRig rig="threePt" dir="t"/>
+    </dgm:scene3d>
+    <dgm:sp3d/>
+    <dgm:txPr/>
+    <dgm:style>
+      <a:lnRef idx="3">
+        <a:scrgbClr r="0" g="0" b="0"/>
+      </a:lnRef>
+      <a:fillRef idx="1">
+        <a:scrgbClr r="0" g="0" b="0"/>
+      </a:fillRef>
+      <a:effectRef idx="1">
+        <a:scrgbClr r="0" g="0" b="0"/>
+      </a:effectRef>
+      <a:fontRef idx="minor">
+        <a:schemeClr val="lt1"/>
+      </a:fontRef>
+    </dgm:style>
+  </dgm:styleLbl>
+  <dgm:styleLbl name="parChTrans2D4">
+    <dgm:scene3d>
+      <a:camera prst="orthographicFront"/>
+      <a:lightRig rig="threePt" dir="t"/>
+    </dgm:scene3d>
+    <dgm:sp3d/>
+    <dgm:txPr/>
+    <dgm:style>
+      <a:lnRef idx="3">
+        <a:scrgbClr r="0" g="0" b="0"/>
+      </a:lnRef>
+      <a:fillRef idx="1">
+        <a:scrgbClr r="0" g="0" b="0"/>
+      </a:fillRef>
+      <a:effectRef idx="1">
+        <a:scrgbClr r="0" g="0" b="0"/>
+      </a:effectRef>
+      <a:fontRef idx="minor">
+        <a:schemeClr val="lt1"/>
+      </a:fontRef>
+    </dgm:style>
+  </dgm:styleLbl>
+  <dgm:styleLbl name="parChTrans1D1">
+    <dgm:scene3d>
+      <a:camera prst="orthographicFront"/>
+      <a:lightRig rig="threePt" dir="t"/>
+    </dgm:scene3d>
+    <dgm:sp3d/>
+    <dgm:txPr/>
+    <dgm:style>
+      <a:lnRef idx="2">
+        <a:scrgbClr r="0" g="0" b="0"/>
+      </a:lnRef>
+      <a:fillRef idx="0">
+        <a:scrgbClr r="0" g="0" b="0"/>
+      </a:fillRef>
+      <a:effectRef idx="0">
+        <a:scrgbClr r="0" g="0" b="0"/>
+      </a:effectRef>
+      <a:fontRef idx="minor"/>
+    </dgm:style>
+  </dgm:styleLbl>
+  <dgm:styleLbl name="parChTrans1D2">
+    <dgm:scene3d>
+      <a:camera prst="orthographicFront"/>
+      <a:lightRig rig="threePt" dir="t"/>
+    </dgm:scene3d>
+    <dgm:sp3d/>
+    <dgm:txPr/>
+    <dgm:style>
+      <a:lnRef idx="2">
+        <a:scrgbClr r="0" g="0" b="0"/>
+      </a:lnRef>
+      <a:fillRef idx="0">
+        <a:scrgbClr r="0" g="0" b="0"/>
+      </a:fillRef>
+      <a:effectRef idx="0">
+        <a:scrgbClr r="0" g="0" b="0"/>
+      </a:effectRef>
+      <a:fontRef idx="minor"/>
+    </dgm:style>
+  </dgm:styleLbl>
+  <dgm:styleLbl name="parChTrans1D3">
+    <dgm:scene3d>
+      <a:camera prst="orthographicFront"/>
+      <a:lightRig rig="threePt" dir="t"/>
+    </dgm:scene3d>
+    <dgm:sp3d/>
+    <dgm:txPr/>
+    <dgm:style>
+      <a:lnRef idx="2">
+        <a:scrgbClr r="0" g="0" b="0"/>
+      </a:lnRef>
+      <a:fillRef idx="0">
+        <a:scrgbClr r="0" g="0" b="0"/>
+      </a:fillRef>
+      <a:effectRef idx="0">
+        <a:scrgbClr r="0" g="0" b="0"/>
+      </a:effectRef>
+      <a:fontRef idx="minor"/>
+    </dgm:style>
+  </dgm:styleLbl>
+  <dgm:styleLbl name="parChTrans1D4">
+    <dgm:scene3d>
+      <a:camera prst="orthographicFront"/>
+      <a:lightRig rig="threePt" dir="t"/>
+    </dgm:scene3d>
+    <dgm:sp3d/>
+    <dgm:txPr/>
+    <dgm:style>
+      <a:lnRef idx="2">
+        <a:scrgbClr r="0" g="0" b="0"/>
+      </a:lnRef>
+      <a:fillRef idx="0">
+        <a:scrgbClr r="0" g="0" b="0"/>
+      </a:fillRef>
+      <a:effectRef idx="0">
+        <a:scrgbClr r="0" g="0" b="0"/>
+      </a:effectRef>
+      <a:fontRef idx="minor"/>
+    </dgm:style>
+  </dgm:styleLbl>
+  <dgm:styleLbl name="fgAcc1">
+    <dgm:scene3d>
+      <a:camera prst="orthographicFront"/>
+      <a:lightRig rig="threePt" dir="t"/>
+    </dgm:scene3d>
+    <dgm:sp3d/>
+    <dgm:txPr/>
+    <dgm:style>
+      <a:lnRef idx="2">
+        <a:scrgbClr r="0" g="0" b="0"/>
+      </a:lnRef>
+      <a:fillRef idx="1">
+        <a:scrgbClr r="0" g="0" b="0"/>
+      </a:fillRef>
+      <a:effectRef idx="0">
+        <a:scrgbClr r="0" g="0" b="0"/>
+      </a:effectRef>
+      <a:fontRef idx="minor"/>
+    </dgm:style>
+  </dgm:styleLbl>
+  <dgm:styleLbl name="conFgAcc1">
+    <dgm:scene3d>
+      <a:camera prst="orthographicFront"/>
+      <a:lightRig rig="threePt" dir="t"/>
+    </dgm:scene3d>
+    <dgm:sp3d/>
+    <dgm:txPr/>
+    <dgm:style>
+      <a:lnRef idx="2">
+        <a:scrgbClr r="0" g="0" b="0"/>
+      </a:lnRef>
+      <a:fillRef idx="1">
+        <a:scrgbClr r="0" g="0" b="0"/>
+      </a:fillRef>
+      <a:effectRef idx="0">
+        <a:scrgbClr r="0" g="0" b="0"/>
+      </a:effectRef>
+      <a:fontRef idx="minor"/>
+    </dgm:style>
+  </dgm:styleLbl>
+  <dgm:styleLbl name="alignAcc1">
+    <dgm:scene3d>
+      <a:camera prst="orthographicFront"/>
+      <a:lightRig rig="threePt" dir="t"/>
+    </dgm:scene3d>
+    <dgm:sp3d/>
+    <dgm:txPr/>
+    <dgm:style>
+      <a:lnRef idx="2">
+        <a:scrgbClr r="0" g="0" b="0"/>
+      </a:lnRef>
+      <a:fillRef idx="1">
+        <a:scrgbClr r="0" g="0" b="0"/>
+      </a:fillRef>
+      <a:effectRef idx="0">
+        <a:scrgbClr r="0" g="0" b="0"/>
+      </a:effectRef>
+      <a:fontRef idx="minor"/>
+    </dgm:style>
+  </dgm:styleLbl>
+  <dgm:styleLbl name="trAlignAcc1">
+    <dgm:scene3d>
+      <a:camera prst="orthographicFront"/>
+      <a:lightRig rig="threePt" dir="t"/>
+    </dgm:scene3d>
+    <dgm:sp3d/>
+    <dgm:txPr/>
+    <dgm:style>
+      <a:lnRef idx="1">
+        <a:scrgbClr r="0" g="0" b="0"/>
+      </a:lnRef>
+      <a:fillRef idx="1">
+        <a:scrgbClr r="0" g="0" b="0"/>
+      </a:fillRef>
+      <a:effectRef idx="0">
+        <a:scrgbClr r="0" g="0" b="0"/>
+      </a:effectRef>
+      <a:fontRef idx="minor"/>
+    </dgm:style>
+  </dgm:styleLbl>
+  <dgm:styleLbl name="bgAcc1">
+    <dgm:scene3d>
+      <a:camera prst="orthographicFront"/>
+      <a:lightRig rig="threePt" dir="t"/>
+    </dgm:scene3d>
+    <dgm:sp3d/>
+    <dgm:txPr/>
+    <dgm:style>
+      <a:lnRef idx="2">
+        <a:scrgbClr r="0" g="0" b="0"/>
+      </a:lnRef>
+      <a:fillRef idx="1">
+        <a:scrgbClr r="0" g="0" b="0"/>
+      </a:fillRef>
+      <a:effectRef idx="0">
+        <a:scrgbClr r="0" g="0" b="0"/>
+      </a:effectRef>
+      <a:fontRef idx="minor"/>
+    </dgm:style>
+  </dgm:styleLbl>
+  <dgm:styleLbl name="solidFgAcc1">
+    <dgm:scene3d>
+      <a:camera prst="orthographicFront"/>
+      <a:lightRig rig="threePt" dir="t"/>
+    </dgm:scene3d>
+    <dgm:sp3d/>
+    <dgm:txPr/>
+    <dgm:style>
+      <a:lnRef idx="2">
+        <a:scrgbClr r="0" g="0" b="0"/>
+      </a:lnRef>
+      <a:fillRef idx="1">
+        <a:scrgbClr r="0" g="0" b="0"/>
+      </a:fillRef>
+      <a:effectRef idx="0">
+        <a:scrgbClr r="0" g="0" b="0"/>
+      </a:effectRef>
+      <a:fontRef idx="minor"/>
+    </dgm:style>
+  </dgm:styleLbl>
+  <dgm:styleLbl name="solidAlignAcc1">
+    <dgm:scene3d>
+      <a:camera prst="orthographicFront"/>
+      <a:lightRig rig="threePt" dir="t"/>
+    </dgm:scene3d>
+    <dgm:sp3d/>
+    <dgm:txPr/>
+    <dgm:style>
+      <a:lnRef idx="2">
+        <a:scrgbClr r="0" g="0" b="0"/>
+      </a:lnRef>
+      <a:fillRef idx="1">
+        <a:scrgbClr r="0" g="0" b="0"/>
+      </a:fillRef>
+      <a:effectRef idx="0">
+        <a:scrgbClr r="0" g="0" b="0"/>
+      </a:effectRef>
+      <a:fontRef idx="minor"/>
+    </dgm:style>
+  </dgm:styleLbl>
+  <dgm:styleLbl name="solidBgAcc1">
+    <dgm:scene3d>
+      <a:camera prst="orthographicFront"/>
+      <a:lightRig rig="threePt" dir="t"/>
+    </dgm:scene3d>
+    <dgm:sp3d/>
+    <dgm:txPr/>
+    <dgm:style>
+      <a:lnRef idx="2">
+        <a:scrgbClr r="0" g="0" b="0"/>
+      </a:lnRef>
+      <a:fillRef idx="1">
+        <a:scrgbClr r="0" g="0" b="0"/>
+      </a:fillRef>
+      <a:effectRef idx="0">
+        <a:scrgbClr r="0" g="0" b="0"/>
+      </a:effectRef>
+      <a:fontRef idx="minor"/>
+    </dgm:style>
+  </dgm:styleLbl>
+  <dgm:styleLbl name="fgAccFollowNode1">
+    <dgm:scene3d>
+      <a:camera prst="orthographicFront"/>
+      <a:lightRig rig="threePt" dir="t"/>
+    </dgm:scene3d>
+    <dgm:sp3d/>
+    <dgm:txPr/>
+    <dgm:style>
+      <a:lnRef idx="2">
+        <a:scrgbClr r="0" g="0" b="0"/>
+      </a:lnRef>
+      <a:fillRef idx="1">
+        <a:scrgbClr r="0" g="0" b="0"/>
+      </a:fillRef>
+      <a:effectRef idx="0">
+        <a:scrgbClr r="0" g="0" b="0"/>
+      </a:effectRef>
+      <a:fontRef idx="minor"/>
+    </dgm:style>
+  </dgm:styleLbl>
+  <dgm:styleLbl name="alignAccFollowNode1">
+    <dgm:scene3d>
+      <a:camera prst="orthographicFront"/>
+      <a:lightRig rig="threePt" dir="t"/>
+    </dgm:scene3d>
+    <dgm:sp3d/>
+    <dgm:txPr/>
+    <dgm:style>
+      <a:lnRef idx="2">
+        <a:scrgbClr r="0" g="0" b="0"/>
+      </a:lnRef>
+      <a:fillRef idx="1">
+        <a:scrgbClr r="0" g="0" b="0"/>
+      </a:fillRef>
+      <a:effectRef idx="0">
+        <a:scrgbClr r="0" g="0" b="0"/>
+      </a:effectRef>
+      <a:fontRef idx="minor"/>
+    </dgm:style>
+  </dgm:styleLbl>
+  <dgm:styleLbl name="bgAccFollowNode1">
+    <dgm:scene3d>
+      <a:camera prst="orthographicFront"/>
+      <a:lightRig rig="threePt" dir="t"/>
+    </dgm:scene3d>
+    <dgm:sp3d/>
+    <dgm:txPr/>
+    <dgm:style>
+      <a:lnRef idx="2">
+        <a:scrgbClr r="0" g="0" b="0"/>
+      </a:lnRef>
+      <a:fillRef idx="1">
+        <a:scrgbClr r="0" g="0" b="0"/>
+      </a:fillRef>
+      <a:effectRef idx="0">
+        <a:scrgbClr r="0" g="0" b="0"/>
+      </a:effectRef>
+      <a:fontRef idx="minor"/>
+    </dgm:style>
+  </dgm:styleLbl>
+  <dgm:styleLbl name="fgAcc0">
+    <dgm:scene3d>
+      <a:camera prst="orthographicFront"/>
+      <a:lightRig rig="threePt" dir="t"/>
+    </dgm:scene3d>
+    <dgm:sp3d/>
+    <dgm:txPr/>
+    <dgm:style>
+      <a:lnRef idx="2">
+        <a:scrgbClr r="0" g="0" b="0"/>
+      </a:lnRef>
+      <a:fillRef idx="1">
+        <a:scrgbClr r="0" g="0" b="0"/>
+      </a:fillRef>
+      <a:effectRef idx="0">
+        <a:scrgbClr r="0" g="0" b="0"/>
+      </a:effectRef>
+      <a:fontRef idx="minor"/>
+    </dgm:style>
+  </dgm:styleLbl>
+  <dgm:styleLbl name="fgAcc2">
+    <dgm:scene3d>
+      <a:camera prst="orthographicFront"/>
+      <a:lightRig rig="threePt" dir="t"/>
+    </dgm:scene3d>
+    <dgm:sp3d/>
+    <dgm:txPr/>
+    <dgm:style>
+      <a:lnRef idx="2">
+        <a:scrgbClr r="0" g="0" b="0"/>
+      </a:lnRef>
+      <a:fillRef idx="1">
+        <a:scrgbClr r="0" g="0" b="0"/>
+      </a:fillRef>
+      <a:effectRef idx="0">
+        <a:scrgbClr r="0" g="0" b="0"/>
+      </a:effectRef>
+      <a:fontRef idx="minor"/>
+    </dgm:style>
+  </dgm:styleLbl>
+  <dgm:styleLbl name="fgAcc3">
+    <dgm:scene3d>
+      <a:camera prst="orthographicFront"/>
+      <a:lightRig rig="threePt" dir="t"/>
+    </dgm:scene3d>
+    <dgm:sp3d/>
+    <dgm:txPr/>
+    <dgm:style>
+      <a:lnRef idx="2">
+        <a:scrgbClr r="0" g="0" b="0"/>
+      </a:lnRef>
+      <a:fillRef idx="1">
+        <a:scrgbClr r="0" g="0" b="0"/>
+      </a:fillRef>
+      <a:effectRef idx="0">
+        <a:scrgbClr r="0" g="0" b="0"/>
+      </a:effectRef>
+      <a:fontRef idx="minor"/>
+    </dgm:style>
+  </dgm:styleLbl>
+  <dgm:styleLbl name="fgAcc4">
+    <dgm:scene3d>
+      <a:camera prst="orthographicFront"/>
+      <a:lightRig rig="threePt" dir="t"/>
+    </dgm:scene3d>
+    <dgm:sp3d/>
+    <dgm:txPr/>
+    <dgm:style>
+      <a:lnRef idx="2">
+        <a:scrgbClr r="0" g="0" b="0"/>
+      </a:lnRef>
+      <a:fillRef idx="1">
+        <a:scrgbClr r="0" g="0" b="0"/>
+      </a:fillRef>
+      <a:effectRef idx="0">
+        <a:scrgbClr r="0" g="0" b="0"/>
+      </a:effectRef>
+      <a:fontRef idx="minor"/>
+    </dgm:style>
+  </dgm:styleLbl>
+  <dgm:styleLbl name="bgShp">
+    <dgm:scene3d>
+      <a:camera prst="orthographicFront"/>
+      <a:lightRig rig="threePt" dir="t"/>
+    </dgm:scene3d>
+    <dgm:sp3d/>
+    <dgm:txPr/>
+    <dgm:style>
+      <a:lnRef idx="0">
+        <a:scrgbClr r="0" g="0" b="0"/>
+      </a:lnRef>
+      <a:fillRef idx="1">
+        <a:scrgbClr r="0" g="0" b="0"/>
+      </a:fillRef>
+      <a:effectRef idx="0">
+        <a:scrgbClr r="0" g="0" b="0"/>
+      </a:effectRef>
+      <a:fontRef idx="minor"/>
+    </dgm:style>
+  </dgm:styleLbl>
+  <dgm:styleLbl name="dkBgShp">
+    <dgm:scene3d>
+      <a:camera prst="orthographicFront"/>
+      <a:lightRig rig="threePt" dir="t"/>
+    </dgm:scene3d>
+    <dgm:sp3d/>
+    <dgm:txPr/>
+    <dgm:style>
+      <a:lnRef idx="0">
+        <a:scrgbClr r="0" g="0" b="0"/>
+      </a:lnRef>
+      <a:fillRef idx="1">
+        <a:scrgbClr r="0" g="0" b="0"/>
+      </a:fillRef>
+      <a:effectRef idx="0">
+        <a:scrgbClr r="0" g="0" b="0"/>
+      </a:effectRef>
+      <a:fontRef idx="minor"/>
+    </dgm:style>
+  </dgm:styleLbl>
+  <dgm:styleLbl name="trBgShp">
+    <dgm:scene3d>
+      <a:camera prst="orthographicFront"/>
+      <a:lightRig rig="threePt" dir="t"/>
+    </dgm:scene3d>
+    <dgm:sp3d/>
+    <dgm:txPr/>
+    <dgm:style>
+      <a:lnRef idx="0">
+        <a:scrgbClr r="0" g="0" b="0"/>
+      </a:lnRef>
+      <a:fillRef idx="1">
+        <a:scrgbClr r="0" g="0" b="0"/>
+      </a:fillRef>
+      <a:effectRef idx="0">
+        <a:scrgbClr r="0" g="0" b="0"/>
+      </a:effectRef>
+      <a:fontRef idx="minor"/>
+    </dgm:style>
+  </dgm:styleLbl>
+  <dgm:styleLbl name="fgShp">
+    <dgm:scene3d>
+      <a:camera prst="orthographicFront"/>
+      <a:lightRig rig="threePt" dir="t"/>
+    </dgm:scene3d>
+    <dgm:sp3d/>
+    <dgm:txPr/>
+    <dgm:style>
+      <a:lnRef idx="3">
+        <a:scrgbClr r="0" g="0" b="0"/>
+      </a:lnRef>
+      <a:fillRef idx="1">
+        <a:scrgbClr r="0" g="0" b="0"/>
+      </a:fillRef>
+      <a:effectRef idx="1">
+        <a:scrgbClr r="0" g="0" b="0"/>
+      </a:effectRef>
+      <a:fontRef idx="minor"/>
+    </dgm:style>
+  </dgm:styleLbl>
+  <dgm:styleLbl name="revTx">
+    <dgm:scene3d>
+      <a:camera prst="orthographicFront"/>
+      <a:lightRig rig="threePt" dir="t"/>
+    </dgm:scene3d>
+    <dgm:sp3d/>
+    <dgm:txPr/>
+    <dgm:style>
+      <a:lnRef idx="0">
+        <a:scrgbClr r="0" g="0" b="0"/>
+      </a:lnRef>
+      <a:fillRef idx="0">
+        <a:scrgbClr r="0" g="0" b="0"/>
+      </a:fillRef>
+      <a:effectRef idx="0">
+        <a:scrgbClr r="0" g="0" b="0"/>
+      </a:effectRef>
+      <a:fontRef idx="minor"/>
+    </dgm:style>
+  </dgm:styleLbl>
+</dgm:styleDef>
 </file>
 
 <file path=ppt/slideLayouts/slideLayout1.xml><?xml version="1.0" encoding="utf-8"?>
@@ -3982,6 +6778,14 @@
 <file path=ppt/slides/slide2.xml><?xml version="1.0" encoding="utf-8"?>
 <p:sld xmlns:a="http://schemas.openxmlformats.org/drawingml/2006/main" xmlns:r="http://schemas.openxmlformats.org/officeDocument/2006/relationships" xmlns:p="http://schemas.openxmlformats.org/presentationml/2006/main">
   <p:cSld>
+    <p:bg>
+      <p:bgPr>
+        <a:solidFill>
+          <a:schemeClr val="bg2"/>
+        </a:solidFill>
+        <a:effectLst/>
+      </p:bgPr>
+    </p:bg>
     <p:spTree>
       <p:nvGrpSpPr>
         <p:cNvPr id="1" name=""/>
@@ -4012,23 +6816,83 @@
             <p:ph type="title"/>
           </p:nvPr>
         </p:nvSpPr>
-        <p:spPr/>
+        <p:spPr>
+          <a:xfrm>
+            <a:off x="1023562" y="685800"/>
+            <a:ext cx="10493524" cy="1485900"/>
+          </a:xfrm>
+        </p:spPr>
         <p:txBody>
           <a:bodyPr>
-            <a:normAutofit fontScale="90000"/>
+            <a:normAutofit/>
           </a:bodyPr>
           <a:lstStyle/>
           <a:p>
             <a:r>
-              <a:rPr lang="en-US" dirty="0"/>
+              <a:rPr lang="en-US" sz="3400"/>
               <a:t>Does Discount Amount have an effect on the quantity of a product in an order?</a:t>
             </a:r>
             <a:br>
-              <a:rPr lang="en-US" dirty="0"/>
+              <a:rPr lang="en-US" sz="3400"/>
             </a:br>
-            <a:endParaRPr lang="en-US" dirty="0"/>
+            <a:endParaRPr lang="en-US" sz="3400"/>
           </a:p>
         </p:txBody>
+      </p:sp>
+      <p:sp>
+        <p:nvSpPr>
+          <p:cNvPr id="10" name="Rectangle 9">
+            <a:extLst>
+              <a:ext uri="{FF2B5EF4-FFF2-40B4-BE49-F238E27FC236}">
+                <a16:creationId xmlns:a16="http://schemas.microsoft.com/office/drawing/2014/main" id="{B9F89C22-0475-4427-B7C8-0269AD40E3EC}"/>
+              </a:ext>
+              <a:ext uri="{C183D7F6-B498-43B3-948B-1728B52AA6E4}">
+                <adec:decorative xmlns="" xmlns:adec="http://schemas.microsoft.com/office/drawing/2017/decorative" val="1"/>
+              </a:ext>
+            </a:extLst>
+          </p:cNvPr>
+          <p:cNvSpPr>
+            <a:spLocks noGrp="1" noRot="1" noChangeAspect="1" noMove="1" noResize="1" noEditPoints="1" noAdjustHandles="1" noChangeArrowheads="1" noChangeShapeType="1" noTextEdit="1"/>
+          </p:cNvSpPr>
+          <p:nvPr>
+            <p:extLst>
+              <p:ext uri="{386F3935-93C4-4BCD-93E2-E3B085C9AB24}">
+                <p16:designElem xmlns:p16="http://schemas.microsoft.com/office/powerpoint/2015/main" val="1"/>
+              </p:ext>
+            </p:extLst>
+          </p:nvPr>
+        </p:nvSpPr>
+        <p:spPr>
+          <a:xfrm>
+            <a:off x="478095" y="376"/>
+            <a:ext cx="228600" cy="6858000"/>
+          </a:xfrm>
+          <a:prstGeom prst="rect">
+            <a:avLst/>
+          </a:prstGeom>
+          <a:solidFill>
+            <a:schemeClr val="tx2"/>
+          </a:solidFill>
+          <a:ln>
+            <a:noFill/>
+          </a:ln>
+        </p:spPr>
+        <p:style>
+          <a:lnRef idx="2">
+            <a:schemeClr val="accent1">
+              <a:shade val="50000"/>
+            </a:schemeClr>
+          </a:lnRef>
+          <a:fillRef idx="1">
+            <a:schemeClr val="accent1"/>
+          </a:fillRef>
+          <a:effectRef idx="0">
+            <a:schemeClr val="accent1"/>
+          </a:effectRef>
+          <a:fontRef idx="minor">
+            <a:schemeClr val="lt1"/>
+          </a:fontRef>
+        </p:style>
       </p:sp>
       <p:sp>
         <p:nvSpPr>
@@ -4048,54 +6912,90 @@
         </p:nvSpPr>
         <p:spPr>
           <a:xfrm>
-            <a:off x="1371600" y="2175933"/>
-            <a:ext cx="9601200" cy="3581400"/>
+            <a:off x="1023562" y="2286000"/>
+            <a:ext cx="5072437" cy="3581400"/>
           </a:xfrm>
         </p:spPr>
         <p:txBody>
           <a:bodyPr>
-            <a:normAutofit lnSpcReduction="10000"/>
+            <a:normAutofit/>
           </a:bodyPr>
           <a:lstStyle/>
           <a:p>
             <a:r>
-              <a:rPr lang="en-US" dirty="0"/>
+              <a:rPr lang="en-US" sz="1400"/>
               <a:t>Hypothesis: The greater the discount is, the more units of that good people will buy in general.</a:t>
             </a:r>
           </a:p>
           <a:p>
             <a:r>
-              <a:rPr lang="en-US" dirty="0"/>
+              <a:rPr lang="en-US" sz="1400"/>
               <a:t>There was a general upward in the quantity ordered</a:t>
             </a:r>
           </a:p>
           <a:p>
             <a:r>
-              <a:rPr lang="en-US" dirty="0"/>
+              <a:rPr lang="en-US" sz="1400"/>
               <a:t>A Product sold at a discount will have an order quantity that is 21.5% higher on average</a:t>
             </a:r>
           </a:p>
           <a:p>
             <a:r>
-              <a:rPr lang="en-US" dirty="0"/>
+              <a:rPr lang="en-US" sz="1400"/>
               <a:t>Products that were sold at 5% increments tended to be ordered </a:t>
             </a:r>
           </a:p>
           <a:p>
             <a:pPr lvl="2"/>
             <a:r>
-              <a:rPr lang="en-US" dirty="0"/>
+              <a:rPr lang="en-US" sz="1400"/>
               <a:t>Products sold at a 5% discount were on average ordered 21% more than products sold at 10% discounts</a:t>
             </a:r>
           </a:p>
           <a:p>
             <a:r>
-              <a:rPr lang="en-US" dirty="0"/>
+              <a:rPr lang="en-US" sz="1400"/>
               <a:t>Caveats- We aren’t controlling for any other variables so we cant say that having the discount will necessarily cause that outcome, just that the two occur together. </a:t>
             </a:r>
           </a:p>
         </p:txBody>
       </p:sp>
+      <p:pic>
+        <p:nvPicPr>
+          <p:cNvPr id="5" name="Picture 4" descr="A screenshot of a cell phone&#10;&#10;Description generated with very high confidence">
+            <a:extLst>
+              <a:ext uri="{FF2B5EF4-FFF2-40B4-BE49-F238E27FC236}">
+                <a16:creationId xmlns:a16="http://schemas.microsoft.com/office/drawing/2014/main" id="{DA44B24C-F42E-4648-8DB4-A6D78263087D}"/>
+              </a:ext>
+            </a:extLst>
+          </p:cNvPr>
+          <p:cNvPicPr>
+            <a:picLocks noChangeAspect="1"/>
+          </p:cNvPicPr>
+          <p:nvPr/>
+        </p:nvPicPr>
+        <p:blipFill>
+          <a:blip r:embed="rId2">
+            <a:extLst>
+              <a:ext uri="{28A0092B-C50C-407E-A947-70E740481C1C}">
+                <a14:useLocalDpi xmlns:a14="http://schemas.microsoft.com/office/drawing/2010/main" val="0"/>
+              </a:ext>
+            </a:extLst>
+          </a:blip>
+          <a:stretch>
+            <a:fillRect/>
+          </a:stretch>
+        </p:blipFill>
+        <p:spPr>
+          <a:xfrm>
+            <a:off x="6411641" y="2479623"/>
+            <a:ext cx="5105445" cy="3283842"/>
+          </a:xfrm>
+          <a:prstGeom prst="rect">
+            <a:avLst/>
+          </a:prstGeom>
+        </p:spPr>
+      </p:pic>
     </p:spTree>
     <p:extLst>
       <p:ext uri="{BB962C8B-B14F-4D97-AF65-F5344CB8AC3E}">
@@ -4112,6 +7012,14 @@
 <file path=ppt/slides/slide3.xml><?xml version="1.0" encoding="utf-8"?>
 <p:sld xmlns:a="http://schemas.openxmlformats.org/drawingml/2006/main" xmlns:r="http://schemas.openxmlformats.org/officeDocument/2006/relationships" xmlns:p="http://schemas.openxmlformats.org/presentationml/2006/main">
   <p:cSld>
+    <p:bg>
+      <p:bgPr>
+        <a:solidFill>
+          <a:schemeClr val="bg2"/>
+        </a:solidFill>
+        <a:effectLst/>
+      </p:bgPr>
+    </p:bg>
     <p:spTree>
       <p:nvGrpSpPr>
         <p:cNvPr id="1" name=""/>
@@ -4142,9 +7050,16 @@
             <p:ph type="title"/>
           </p:nvPr>
         </p:nvSpPr>
-        <p:spPr/>
+        <p:spPr>
+          <a:xfrm>
+            <a:off x="1023562" y="685800"/>
+            <a:ext cx="10493524" cy="1485900"/>
+          </a:xfrm>
+        </p:spPr>
         <p:txBody>
-          <a:bodyPr/>
+          <a:bodyPr>
+            <a:normAutofit/>
+          </a:bodyPr>
           <a:lstStyle/>
           <a:p>
             <a:r>
@@ -4153,6 +7068,61 @@
             </a:r>
           </a:p>
         </p:txBody>
+      </p:sp>
+      <p:sp>
+        <p:nvSpPr>
+          <p:cNvPr id="10" name="Rectangle 9">
+            <a:extLst>
+              <a:ext uri="{FF2B5EF4-FFF2-40B4-BE49-F238E27FC236}">
+                <a16:creationId xmlns:a16="http://schemas.microsoft.com/office/drawing/2014/main" id="{B9F89C22-0475-4427-B7C8-0269AD40E3EC}"/>
+              </a:ext>
+              <a:ext uri="{C183D7F6-B498-43B3-948B-1728B52AA6E4}">
+                <adec:decorative xmlns="" xmlns:adec="http://schemas.microsoft.com/office/drawing/2017/decorative" val="1"/>
+              </a:ext>
+            </a:extLst>
+          </p:cNvPr>
+          <p:cNvSpPr>
+            <a:spLocks noGrp="1" noRot="1" noChangeAspect="1" noMove="1" noResize="1" noEditPoints="1" noAdjustHandles="1" noChangeArrowheads="1" noChangeShapeType="1" noTextEdit="1"/>
+          </p:cNvSpPr>
+          <p:nvPr>
+            <p:extLst>
+              <p:ext uri="{386F3935-93C4-4BCD-93E2-E3B085C9AB24}">
+                <p16:designElem xmlns:p16="http://schemas.microsoft.com/office/powerpoint/2015/main" val="1"/>
+              </p:ext>
+            </p:extLst>
+          </p:nvPr>
+        </p:nvSpPr>
+        <p:spPr>
+          <a:xfrm>
+            <a:off x="478095" y="376"/>
+            <a:ext cx="228600" cy="6858000"/>
+          </a:xfrm>
+          <a:prstGeom prst="rect">
+            <a:avLst/>
+          </a:prstGeom>
+          <a:solidFill>
+            <a:schemeClr val="tx2"/>
+          </a:solidFill>
+          <a:ln>
+            <a:noFill/>
+          </a:ln>
+        </p:spPr>
+        <p:style>
+          <a:lnRef idx="2">
+            <a:schemeClr val="accent1">
+              <a:shade val="50000"/>
+            </a:schemeClr>
+          </a:lnRef>
+          <a:fillRef idx="1">
+            <a:schemeClr val="accent1"/>
+          </a:fillRef>
+          <a:effectRef idx="0">
+            <a:schemeClr val="accent1"/>
+          </a:effectRef>
+          <a:fontRef idx="minor">
+            <a:schemeClr val="lt1"/>
+          </a:fontRef>
+        </p:style>
       </p:sp>
       <p:sp>
         <p:nvSpPr>
@@ -4170,34 +7140,77 @@
             <p:ph idx="1"/>
           </p:nvPr>
         </p:nvSpPr>
-        <p:spPr/>
+        <p:spPr>
+          <a:xfrm>
+            <a:off x="1023562" y="2286000"/>
+            <a:ext cx="5072437" cy="3581400"/>
+          </a:xfrm>
+        </p:spPr>
         <p:txBody>
-          <a:bodyPr/>
+          <a:bodyPr>
+            <a:normAutofit/>
+          </a:bodyPr>
           <a:lstStyle/>
           <a:p>
             <a:r>
-              <a:rPr lang="en-US" dirty="0"/>
+              <a:rPr lang="en-US" sz="1800"/>
               <a:t>Hypothesis: The price will have an impact on the quantity of a product that is ordered. </a:t>
             </a:r>
           </a:p>
           <a:p>
             <a:pPr lvl="1"/>
             <a:r>
-              <a:rPr lang="en-US" dirty="0"/>
+              <a:rPr lang="en-US" sz="1800"/>
               <a:t>We cant clearly say beforehand whether it will increase because more expensive products may be perceived as more valuable and ordered in greater quantities or whether cheaper products will be ordered in larger quantities because they are cheaper. </a:t>
             </a:r>
           </a:p>
           <a:p>
             <a:r>
-              <a:rPr lang="en-US" dirty="0"/>
+              <a:rPr lang="en-US" sz="1800"/>
               <a:t>No statistically significant relation seems to exist between a product’s price and the quantity it is ordered. </a:t>
             </a:r>
           </a:p>
           <a:p>
-            <a:endParaRPr lang="en-US" dirty="0"/>
+            <a:endParaRPr lang="en-US" sz="1800"/>
           </a:p>
         </p:txBody>
       </p:sp>
+      <p:pic>
+        <p:nvPicPr>
+          <p:cNvPr id="5" name="Picture 4" descr="A screenshot of a cell phone&#10;&#10;Description generated with very high confidence">
+            <a:extLst>
+              <a:ext uri="{FF2B5EF4-FFF2-40B4-BE49-F238E27FC236}">
+                <a16:creationId xmlns:a16="http://schemas.microsoft.com/office/drawing/2014/main" id="{96FD69E2-2652-45F6-B322-1AD55145A383}"/>
+              </a:ext>
+            </a:extLst>
+          </p:cNvPr>
+          <p:cNvPicPr>
+            <a:picLocks noChangeAspect="1"/>
+          </p:cNvPicPr>
+          <p:nvPr/>
+        </p:nvPicPr>
+        <p:blipFill>
+          <a:blip r:embed="rId2">
+            <a:extLst>
+              <a:ext uri="{28A0092B-C50C-407E-A947-70E740481C1C}">
+                <a14:useLocalDpi xmlns:a14="http://schemas.microsoft.com/office/drawing/2010/main" val="0"/>
+              </a:ext>
+            </a:extLst>
+          </a:blip>
+          <a:stretch>
+            <a:fillRect/>
+          </a:stretch>
+        </p:blipFill>
+        <p:spPr>
+          <a:xfrm>
+            <a:off x="6411641" y="2449289"/>
+            <a:ext cx="5105445" cy="3344509"/>
+          </a:xfrm>
+          <a:prstGeom prst="rect">
+            <a:avLst/>
+          </a:prstGeom>
+        </p:spPr>
+      </p:pic>
     </p:spTree>
     <p:extLst>
       <p:ext uri="{BB962C8B-B14F-4D97-AF65-F5344CB8AC3E}">
@@ -4214,6 +7227,14 @@
 <file path=ppt/slides/slide4.xml><?xml version="1.0" encoding="utf-8"?>
 <p:sld xmlns:a="http://schemas.openxmlformats.org/drawingml/2006/main" xmlns:r="http://schemas.openxmlformats.org/officeDocument/2006/relationships" xmlns:p="http://schemas.openxmlformats.org/presentationml/2006/main">
   <p:cSld>
+    <p:bg>
+      <p:bgPr>
+        <a:solidFill>
+          <a:schemeClr val="bg2"/>
+        </a:solidFill>
+        <a:effectLst/>
+      </p:bgPr>
+    </p:bg>
     <p:spTree>
       <p:nvGrpSpPr>
         <p:cNvPr id="1" name=""/>
@@ -4244,9 +7265,16 @@
             <p:ph type="title"/>
           </p:nvPr>
         </p:nvSpPr>
-        <p:spPr/>
+        <p:spPr>
+          <a:xfrm>
+            <a:off x="1371600" y="685800"/>
+            <a:ext cx="9601200" cy="1485900"/>
+          </a:xfrm>
+        </p:spPr>
         <p:txBody>
-          <a:bodyPr/>
+          <a:bodyPr>
+            <a:normAutofit/>
+          </a:bodyPr>
           <a:lstStyle/>
           <a:p>
             <a:r>
@@ -4256,70 +7284,37 @@
           </a:p>
         </p:txBody>
       </p:sp>
-      <p:sp>
-        <p:nvSpPr>
-          <p:cNvPr id="3" name="Content Placeholder 2">
+      <p:graphicFrame>
+        <p:nvGraphicFramePr>
+          <p:cNvPr id="5" name="Content Placeholder 2">
             <a:extLst>
               <a:ext uri="{FF2B5EF4-FFF2-40B4-BE49-F238E27FC236}">
-                <a16:creationId xmlns:a16="http://schemas.microsoft.com/office/drawing/2014/main" id="{BC5A5C02-7BBC-4121-9A1D-B550C5C85B38}"/>
+                <a16:creationId xmlns:a16="http://schemas.microsoft.com/office/drawing/2014/main" id="{AA035A56-A6DE-4D24-8F05-63179CCF8958}"/>
               </a:ext>
             </a:extLst>
           </p:cNvPr>
-          <p:cNvSpPr>
-            <a:spLocks noGrp="1"/>
-          </p:cNvSpPr>
+          <p:cNvGraphicFramePr>
+            <a:graphicFrameLocks noGrp="1"/>
+          </p:cNvGraphicFramePr>
           <p:nvPr>
             <p:ph idx="1"/>
+            <p:extLst>
+              <p:ext uri="{D42A27DB-BD31-4B8C-83A1-F6EECF244321}">
+                <p14:modId xmlns:p14="http://schemas.microsoft.com/office/powerpoint/2010/main" val="546151474"/>
+              </p:ext>
+            </p:extLst>
           </p:nvPr>
-        </p:nvSpPr>
-        <p:spPr/>
-        <p:txBody>
-          <a:bodyPr>
-            <a:normAutofit fontScale="92500" lnSpcReduction="20000"/>
-          </a:bodyPr>
-          <a:lstStyle/>
-          <a:p>
-            <a:r>
-              <a:rPr lang="en-US" dirty="0"/>
-              <a:t>Hypothesis: Units in stock has a statistically significant relationship with Units in order and the more units in stock there are, in general, the fewer units in order there will be.</a:t>
-            </a:r>
-          </a:p>
-          <a:p>
-            <a:pPr lvl="1"/>
-            <a:r>
-              <a:rPr lang="en-US" dirty="0"/>
-              <a:t>It makes Sense considering that stores wouldn’t want to hold too many units of a product, as keeping too much inventory has opportunity costs and maintenance costs. </a:t>
-            </a:r>
-          </a:p>
-          <a:p>
-            <a:pPr lvl="1"/>
-            <a:r>
-              <a:rPr lang="en-US" dirty="0"/>
-              <a:t>Interestingly, any product that had more than the median Units in stock actually had zero units on order.</a:t>
-            </a:r>
-          </a:p>
-          <a:p>
-            <a:r>
-              <a:rPr lang="en-US" dirty="0"/>
-              <a:t>Units in stock does have a statistically significant impact on units on order. </a:t>
-            </a:r>
-          </a:p>
-          <a:p>
-            <a:pPr lvl="1"/>
-            <a:r>
-              <a:rPr lang="en-US" dirty="0"/>
-              <a:t>With this knowledge, we may be able to create predictive model that helps order exactly how much/many of a product we’d need. </a:t>
-            </a:r>
-          </a:p>
-          <a:p>
-            <a:pPr lvl="1"/>
-            <a:r>
-              <a:rPr lang="en-US" dirty="0"/>
-              <a:t>We can also simplify our ordering system to automatically take out goods that are above the median level so that they do not get accidentally ordered when not needed. </a:t>
-            </a:r>
-          </a:p>
-        </p:txBody>
-      </p:sp>
+        </p:nvGraphicFramePr>
+        <p:xfrm>
+          <a:off x="1371600" y="2286000"/>
+          <a:ext cx="9601200" cy="3581400"/>
+        </p:xfrm>
+        <a:graphic>
+          <a:graphicData uri="http://schemas.openxmlformats.org/drawingml/2006/diagram">
+            <dgm:relIds xmlns:dgm="http://schemas.openxmlformats.org/drawingml/2006/diagram" xmlns:r="http://schemas.openxmlformats.org/officeDocument/2006/relationships" r:dm="rId2" r:lo="rId3" r:qs="rId4" r:cs="rId5"/>
+          </a:graphicData>
+        </a:graphic>
+      </p:graphicFrame>
     </p:spTree>
     <p:extLst>
       <p:ext uri="{BB962C8B-B14F-4D97-AF65-F5344CB8AC3E}">
@@ -4396,7 +7391,9 @@
         </p:nvSpPr>
         <p:spPr/>
         <p:txBody>
-          <a:bodyPr/>
+          <a:bodyPr>
+            <a:normAutofit fontScale="92500" lnSpcReduction="20000"/>
+          </a:bodyPr>
           <a:lstStyle/>
           <a:p>
             <a:r>
@@ -4428,6 +7425,12 @@
             <a:r>
               <a:rPr lang="en-US" dirty="0"/>
               <a:t>Like the relationship, we see that unit price also has a statistically significant impact so we would benefit by including it in the model. </a:t>
+            </a:r>
+          </a:p>
+          <a:p>
+            <a:r>
+              <a:rPr lang="en-US" dirty="0"/>
+              <a:t>Furthermore, we can see that the mean units on order from units that have a reorder level below the median of 15 is a paltry 1.93 whereas Units In Order above the median is almost 10 times bigger at 20.71. </a:t>
             </a:r>
           </a:p>
         </p:txBody>

--- a/Northwind_presentation.pptx
+++ b/Northwind_presentation.pptx
@@ -6702,7 +6702,7 @@
           <a:p>
             <a:r>
               <a:rPr lang="en-US" dirty="0"/>
-              <a:t>In this project, we explored the relationship between the following:</a:t>
+              <a:t>In this project, I explored the relationship between the following:</a:t>
             </a:r>
           </a:p>
           <a:p>
@@ -6847,7 +6847,7 @@
                 <a16:creationId xmlns:a16="http://schemas.microsoft.com/office/drawing/2014/main" id="{B9F89C22-0475-4427-B7C8-0269AD40E3EC}"/>
               </a:ext>
               <a:ext uri="{C183D7F6-B498-43B3-948B-1728B52AA6E4}">
-                <adec:decorative xmlns="" xmlns:adec="http://schemas.microsoft.com/office/drawing/2017/decorative" val="1"/>
+                <adec:decorative xmlns:adec="http://schemas.microsoft.com/office/drawing/2017/decorative" xmlns="" val="1"/>
               </a:ext>
             </a:extLst>
           </p:cNvPr>
@@ -7077,7 +7077,7 @@
                 <a16:creationId xmlns:a16="http://schemas.microsoft.com/office/drawing/2014/main" id="{B9F89C22-0475-4427-B7C8-0269AD40E3EC}"/>
               </a:ext>
               <a:ext uri="{C183D7F6-B498-43B3-948B-1728B52AA6E4}">
-                <adec:decorative xmlns="" xmlns:adec="http://schemas.microsoft.com/office/drawing/2017/decorative" val="1"/>
+                <adec:decorative xmlns:adec="http://schemas.microsoft.com/office/drawing/2017/decorative" xmlns="" val="1"/>
               </a:ext>
             </a:extLst>
           </p:cNvPr>
